--- a/Presentation_BeerPass.pptx
+++ b/Presentation_BeerPass.pptx
@@ -4,11 +4,23 @@
   <p:sldMasterIdLst>
     <p:sldMasterId id="2147483660" r:id="rId1"/>
   </p:sldMasterIdLst>
+  <p:notesMasterIdLst>
+    <p:notesMasterId r:id="rId15"/>
+  </p:notesMasterIdLst>
   <p:sldIdLst>
     <p:sldId id="256" r:id="rId2"/>
-    <p:sldId id="257" r:id="rId3"/>
-    <p:sldId id="259" r:id="rId4"/>
-    <p:sldId id="260" r:id="rId5"/>
+    <p:sldId id="262" r:id="rId3"/>
+    <p:sldId id="264" r:id="rId4"/>
+    <p:sldId id="261" r:id="rId5"/>
+    <p:sldId id="263" r:id="rId6"/>
+    <p:sldId id="267" r:id="rId7"/>
+    <p:sldId id="270" r:id="rId8"/>
+    <p:sldId id="271" r:id="rId9"/>
+    <p:sldId id="269" r:id="rId10"/>
+    <p:sldId id="259" r:id="rId11"/>
+    <p:sldId id="268" r:id="rId12"/>
+    <p:sldId id="257" r:id="rId13"/>
+    <p:sldId id="260" r:id="rId14"/>
   </p:sldIdLst>
   <p:sldSz cx="12192000" cy="6858000"/>
   <p:notesSz cx="6858000" cy="9144000"/>
@@ -107,7 +119,724 @@
       </a:defRPr>
     </a:lvl9pPr>
   </p:defaultTextStyle>
+  <p:extLst>
+    <p:ext uri="{EFAFB233-063F-42B5-8137-9DF3F51BA10A}">
+      <p15:sldGuideLst xmlns:p15="http://schemas.microsoft.com/office/powerpoint/2012/main"/>
+    </p:ext>
+  </p:extLst>
 </p:presentation>
+</file>
+
+<file path=ppt/notesMasters/notesMaster1.xml><?xml version="1.0" encoding="utf-8"?>
+<p:notesMaster xmlns:a="http://schemas.openxmlformats.org/drawingml/2006/main" xmlns:r="http://schemas.openxmlformats.org/officeDocument/2006/relationships" xmlns:p="http://schemas.openxmlformats.org/presentationml/2006/main">
+  <p:cSld>
+    <p:bg>
+      <p:bgRef idx="1001">
+        <a:schemeClr val="bg1"/>
+      </p:bgRef>
+    </p:bg>
+    <p:spTree>
+      <p:nvGrpSpPr>
+        <p:cNvPr id="1" name=""/>
+        <p:cNvGrpSpPr/>
+        <p:nvPr/>
+      </p:nvGrpSpPr>
+      <p:grpSpPr>
+        <a:xfrm>
+          <a:off x="0" y="0"/>
+          <a:ext cx="0" cy="0"/>
+          <a:chOff x="0" y="0"/>
+          <a:chExt cx="0" cy="0"/>
+        </a:xfrm>
+      </p:grpSpPr>
+      <p:sp>
+        <p:nvSpPr>
+          <p:cNvPr id="2" name="Espace réservé de l'en-tête 1"/>
+          <p:cNvSpPr>
+            <a:spLocks noGrp="1"/>
+          </p:cNvSpPr>
+          <p:nvPr>
+            <p:ph type="hdr" sz="quarter"/>
+          </p:nvPr>
+        </p:nvSpPr>
+        <p:spPr>
+          <a:xfrm>
+            <a:off x="0" y="0"/>
+            <a:ext cx="2971800" cy="458788"/>
+          </a:xfrm>
+          <a:prstGeom prst="rect">
+            <a:avLst/>
+          </a:prstGeom>
+        </p:spPr>
+        <p:txBody>
+          <a:bodyPr vert="horz" lIns="91440" tIns="45720" rIns="91440" bIns="45720" rtlCol="0"/>
+          <a:lstStyle>
+            <a:lvl1pPr algn="l">
+              <a:defRPr sz="1200"/>
+            </a:lvl1pPr>
+          </a:lstStyle>
+          <a:p>
+            <a:endParaRPr lang="fr-FR"/>
+          </a:p>
+        </p:txBody>
+      </p:sp>
+      <p:sp>
+        <p:nvSpPr>
+          <p:cNvPr id="3" name="Espace réservé de la date 2"/>
+          <p:cNvSpPr>
+            <a:spLocks noGrp="1"/>
+          </p:cNvSpPr>
+          <p:nvPr>
+            <p:ph type="dt" idx="1"/>
+          </p:nvPr>
+        </p:nvSpPr>
+        <p:spPr>
+          <a:xfrm>
+            <a:off x="3884613" y="0"/>
+            <a:ext cx="2971800" cy="458788"/>
+          </a:xfrm>
+          <a:prstGeom prst="rect">
+            <a:avLst/>
+          </a:prstGeom>
+        </p:spPr>
+        <p:txBody>
+          <a:bodyPr vert="horz" lIns="91440" tIns="45720" rIns="91440" bIns="45720" rtlCol="0"/>
+          <a:lstStyle>
+            <a:lvl1pPr algn="r">
+              <a:defRPr sz="1200"/>
+            </a:lvl1pPr>
+          </a:lstStyle>
+          <a:p>
+            <a:fld id="{FD957EFB-FE5C-9347-91A8-E19293427471}" type="datetimeFigureOut">
+              <a:rPr lang="fr-FR" smtClean="0"/>
+              <a:t>10/06/2019</a:t>
+            </a:fld>
+            <a:endParaRPr lang="fr-FR"/>
+          </a:p>
+        </p:txBody>
+      </p:sp>
+      <p:sp>
+        <p:nvSpPr>
+          <p:cNvPr id="4" name="Espace réservé de l'image des diapositives 3"/>
+          <p:cNvSpPr>
+            <a:spLocks noGrp="1" noRot="1" noChangeAspect="1"/>
+          </p:cNvSpPr>
+          <p:nvPr>
+            <p:ph type="sldImg" idx="2"/>
+          </p:nvPr>
+        </p:nvSpPr>
+        <p:spPr>
+          <a:xfrm>
+            <a:off x="685800" y="1143000"/>
+            <a:ext cx="5486400" cy="3086100"/>
+          </a:xfrm>
+          <a:prstGeom prst="rect">
+            <a:avLst/>
+          </a:prstGeom>
+          <a:noFill/>
+          <a:ln w="12700">
+            <a:solidFill>
+              <a:prstClr val="black"/>
+            </a:solidFill>
+          </a:ln>
+        </p:spPr>
+        <p:txBody>
+          <a:bodyPr vert="horz" lIns="91440" tIns="45720" rIns="91440" bIns="45720" rtlCol="0" anchor="ctr"/>
+          <a:lstStyle/>
+          <a:p>
+            <a:endParaRPr lang="fr-FR"/>
+          </a:p>
+        </p:txBody>
+      </p:sp>
+      <p:sp>
+        <p:nvSpPr>
+          <p:cNvPr id="5" name="Espace réservé des notes 4"/>
+          <p:cNvSpPr>
+            <a:spLocks noGrp="1"/>
+          </p:cNvSpPr>
+          <p:nvPr>
+            <p:ph type="body" sz="quarter" idx="3"/>
+          </p:nvPr>
+        </p:nvSpPr>
+        <p:spPr>
+          <a:xfrm>
+            <a:off x="685800" y="4400550"/>
+            <a:ext cx="5486400" cy="3600450"/>
+          </a:xfrm>
+          <a:prstGeom prst="rect">
+            <a:avLst/>
+          </a:prstGeom>
+        </p:spPr>
+        <p:txBody>
+          <a:bodyPr vert="horz" lIns="91440" tIns="45720" rIns="91440" bIns="45720" rtlCol="0"/>
+          <a:lstStyle/>
+          <a:p>
+            <a:pPr lvl="0"/>
+            <a:r>
+              <a:rPr lang="fr-FR"/>
+              <a:t>Cliquez pour modifier les styles du texte du masque</a:t>
+            </a:r>
+          </a:p>
+          <a:p>
+            <a:pPr lvl="1"/>
+            <a:r>
+              <a:rPr lang="fr-FR"/>
+              <a:t>Deuxième niveau</a:t>
+            </a:r>
+          </a:p>
+          <a:p>
+            <a:pPr lvl="2"/>
+            <a:r>
+              <a:rPr lang="fr-FR"/>
+              <a:t>Troisième niveau</a:t>
+            </a:r>
+          </a:p>
+          <a:p>
+            <a:pPr lvl="3"/>
+            <a:r>
+              <a:rPr lang="fr-FR"/>
+              <a:t>Quatrième niveau</a:t>
+            </a:r>
+          </a:p>
+          <a:p>
+            <a:pPr lvl="4"/>
+            <a:r>
+              <a:rPr lang="fr-FR"/>
+              <a:t>Cinquième niveau</a:t>
+            </a:r>
+          </a:p>
+        </p:txBody>
+      </p:sp>
+      <p:sp>
+        <p:nvSpPr>
+          <p:cNvPr id="6" name="Espace réservé du pied de page 5"/>
+          <p:cNvSpPr>
+            <a:spLocks noGrp="1"/>
+          </p:cNvSpPr>
+          <p:nvPr>
+            <p:ph type="ftr" sz="quarter" idx="4"/>
+          </p:nvPr>
+        </p:nvSpPr>
+        <p:spPr>
+          <a:xfrm>
+            <a:off x="0" y="8685213"/>
+            <a:ext cx="2971800" cy="458787"/>
+          </a:xfrm>
+          <a:prstGeom prst="rect">
+            <a:avLst/>
+          </a:prstGeom>
+        </p:spPr>
+        <p:txBody>
+          <a:bodyPr vert="horz" lIns="91440" tIns="45720" rIns="91440" bIns="45720" rtlCol="0" anchor="b"/>
+          <a:lstStyle>
+            <a:lvl1pPr algn="l">
+              <a:defRPr sz="1200"/>
+            </a:lvl1pPr>
+          </a:lstStyle>
+          <a:p>
+            <a:endParaRPr lang="fr-FR"/>
+          </a:p>
+        </p:txBody>
+      </p:sp>
+      <p:sp>
+        <p:nvSpPr>
+          <p:cNvPr id="7" name="Espace réservé du numéro de diapositive 6"/>
+          <p:cNvSpPr>
+            <a:spLocks noGrp="1"/>
+          </p:cNvSpPr>
+          <p:nvPr>
+            <p:ph type="sldNum" sz="quarter" idx="5"/>
+          </p:nvPr>
+        </p:nvSpPr>
+        <p:spPr>
+          <a:xfrm>
+            <a:off x="3884613" y="8685213"/>
+            <a:ext cx="2971800" cy="458787"/>
+          </a:xfrm>
+          <a:prstGeom prst="rect">
+            <a:avLst/>
+          </a:prstGeom>
+        </p:spPr>
+        <p:txBody>
+          <a:bodyPr vert="horz" lIns="91440" tIns="45720" rIns="91440" bIns="45720" rtlCol="0" anchor="b"/>
+          <a:lstStyle>
+            <a:lvl1pPr algn="r">
+              <a:defRPr sz="1200"/>
+            </a:lvl1pPr>
+          </a:lstStyle>
+          <a:p>
+            <a:fld id="{FF63ADC1-16D8-FB4C-A8FA-1934EF2E6464}" type="slidenum">
+              <a:rPr lang="fr-FR" smtClean="0"/>
+              <a:t>‹N°›</a:t>
+            </a:fld>
+            <a:endParaRPr lang="fr-FR"/>
+          </a:p>
+        </p:txBody>
+      </p:sp>
+    </p:spTree>
+    <p:extLst>
+      <p:ext uri="{BB962C8B-B14F-4D97-AF65-F5344CB8AC3E}">
+        <p14:creationId xmlns:p14="http://schemas.microsoft.com/office/powerpoint/2010/main" val="2697814130"/>
+      </p:ext>
+    </p:extLst>
+  </p:cSld>
+  <p:clrMap bg1="lt1" tx1="dk1" bg2="lt2" tx2="dk2" accent1="accent1" accent2="accent2" accent3="accent3" accent4="accent4" accent5="accent5" accent6="accent6" hlink="hlink" folHlink="folHlink"/>
+  <p:notesStyle>
+    <a:lvl1pPr marL="0" algn="l" defTabSz="914400" rtl="0" eaLnBrk="1" latinLnBrk="0" hangingPunct="1">
+      <a:defRPr sz="1200" kern="1200">
+        <a:solidFill>
+          <a:schemeClr val="tx1"/>
+        </a:solidFill>
+        <a:latin typeface="+mn-lt"/>
+        <a:ea typeface="+mn-ea"/>
+        <a:cs typeface="+mn-cs"/>
+      </a:defRPr>
+    </a:lvl1pPr>
+    <a:lvl2pPr marL="457200" algn="l" defTabSz="914400" rtl="0" eaLnBrk="1" latinLnBrk="0" hangingPunct="1">
+      <a:defRPr sz="1200" kern="1200">
+        <a:solidFill>
+          <a:schemeClr val="tx1"/>
+        </a:solidFill>
+        <a:latin typeface="+mn-lt"/>
+        <a:ea typeface="+mn-ea"/>
+        <a:cs typeface="+mn-cs"/>
+      </a:defRPr>
+    </a:lvl2pPr>
+    <a:lvl3pPr marL="914400" algn="l" defTabSz="914400" rtl="0" eaLnBrk="1" latinLnBrk="0" hangingPunct="1">
+      <a:defRPr sz="1200" kern="1200">
+        <a:solidFill>
+          <a:schemeClr val="tx1"/>
+        </a:solidFill>
+        <a:latin typeface="+mn-lt"/>
+        <a:ea typeface="+mn-ea"/>
+        <a:cs typeface="+mn-cs"/>
+      </a:defRPr>
+    </a:lvl3pPr>
+    <a:lvl4pPr marL="1371600" algn="l" defTabSz="914400" rtl="0" eaLnBrk="1" latinLnBrk="0" hangingPunct="1">
+      <a:defRPr sz="1200" kern="1200">
+        <a:solidFill>
+          <a:schemeClr val="tx1"/>
+        </a:solidFill>
+        <a:latin typeface="+mn-lt"/>
+        <a:ea typeface="+mn-ea"/>
+        <a:cs typeface="+mn-cs"/>
+      </a:defRPr>
+    </a:lvl4pPr>
+    <a:lvl5pPr marL="1828800" algn="l" defTabSz="914400" rtl="0" eaLnBrk="1" latinLnBrk="0" hangingPunct="1">
+      <a:defRPr sz="1200" kern="1200">
+        <a:solidFill>
+          <a:schemeClr val="tx1"/>
+        </a:solidFill>
+        <a:latin typeface="+mn-lt"/>
+        <a:ea typeface="+mn-ea"/>
+        <a:cs typeface="+mn-cs"/>
+      </a:defRPr>
+    </a:lvl5pPr>
+    <a:lvl6pPr marL="2286000" algn="l" defTabSz="914400" rtl="0" eaLnBrk="1" latinLnBrk="0" hangingPunct="1">
+      <a:defRPr sz="1200" kern="1200">
+        <a:solidFill>
+          <a:schemeClr val="tx1"/>
+        </a:solidFill>
+        <a:latin typeface="+mn-lt"/>
+        <a:ea typeface="+mn-ea"/>
+        <a:cs typeface="+mn-cs"/>
+      </a:defRPr>
+    </a:lvl6pPr>
+    <a:lvl7pPr marL="2743200" algn="l" defTabSz="914400" rtl="0" eaLnBrk="1" latinLnBrk="0" hangingPunct="1">
+      <a:defRPr sz="1200" kern="1200">
+        <a:solidFill>
+          <a:schemeClr val="tx1"/>
+        </a:solidFill>
+        <a:latin typeface="+mn-lt"/>
+        <a:ea typeface="+mn-ea"/>
+        <a:cs typeface="+mn-cs"/>
+      </a:defRPr>
+    </a:lvl7pPr>
+    <a:lvl8pPr marL="3200400" algn="l" defTabSz="914400" rtl="0" eaLnBrk="1" latinLnBrk="0" hangingPunct="1">
+      <a:defRPr sz="1200" kern="1200">
+        <a:solidFill>
+          <a:schemeClr val="tx1"/>
+        </a:solidFill>
+        <a:latin typeface="+mn-lt"/>
+        <a:ea typeface="+mn-ea"/>
+        <a:cs typeface="+mn-cs"/>
+      </a:defRPr>
+    </a:lvl8pPr>
+    <a:lvl9pPr marL="3657600" algn="l" defTabSz="914400" rtl="0" eaLnBrk="1" latinLnBrk="0" hangingPunct="1">
+      <a:defRPr sz="1200" kern="1200">
+        <a:solidFill>
+          <a:schemeClr val="tx1"/>
+        </a:solidFill>
+        <a:latin typeface="+mn-lt"/>
+        <a:ea typeface="+mn-ea"/>
+        <a:cs typeface="+mn-cs"/>
+      </a:defRPr>
+    </a:lvl9pPr>
+  </p:notesStyle>
+</p:notesMaster>
+</file>
+
+<file path=ppt/notesSlides/notesSlide1.xml><?xml version="1.0" encoding="utf-8"?>
+<p:notes xmlns:a="http://schemas.openxmlformats.org/drawingml/2006/main" xmlns:r="http://schemas.openxmlformats.org/officeDocument/2006/relationships" xmlns:p="http://schemas.openxmlformats.org/presentationml/2006/main">
+  <p:cSld>
+    <p:spTree>
+      <p:nvGrpSpPr>
+        <p:cNvPr id="1" name=""/>
+        <p:cNvGrpSpPr/>
+        <p:nvPr/>
+      </p:nvGrpSpPr>
+      <p:grpSpPr>
+        <a:xfrm>
+          <a:off x="0" y="0"/>
+          <a:ext cx="0" cy="0"/>
+          <a:chOff x="0" y="0"/>
+          <a:chExt cx="0" cy="0"/>
+        </a:xfrm>
+      </p:grpSpPr>
+      <p:sp>
+        <p:nvSpPr>
+          <p:cNvPr id="2" name="Espace réservé de l'image des diapositives 1"/>
+          <p:cNvSpPr>
+            <a:spLocks noGrp="1" noRot="1" noChangeAspect="1"/>
+          </p:cNvSpPr>
+          <p:nvPr>
+            <p:ph type="sldImg"/>
+          </p:nvPr>
+        </p:nvSpPr>
+        <p:spPr/>
+      </p:sp>
+      <p:sp>
+        <p:nvSpPr>
+          <p:cNvPr id="3" name="Espace réservé des notes 2"/>
+          <p:cNvSpPr>
+            <a:spLocks noGrp="1"/>
+          </p:cNvSpPr>
+          <p:nvPr>
+            <p:ph type="body" idx="1"/>
+          </p:nvPr>
+        </p:nvSpPr>
+        <p:spPr/>
+        <p:txBody>
+          <a:bodyPr/>
+          <a:lstStyle/>
+          <a:p>
+            <a:r>
+              <a:rPr lang="fr-FR" dirty="0"/>
+              <a:t>brasseries:</a:t>
+            </a:r>
+          </a:p>
+          <a:p>
+            <a:r>
+              <a:rPr lang="fr-FR" dirty="0"/>
+              <a:t>avantage financier -&gt; prouvé qu'une boisson gratuite engendre généralement d'autres consommations ensuite.</a:t>
+            </a:r>
+          </a:p>
+        </p:txBody>
+      </p:sp>
+      <p:sp>
+        <p:nvSpPr>
+          <p:cNvPr id="4" name="Espace réservé du numéro de diapositive 3"/>
+          <p:cNvSpPr>
+            <a:spLocks noGrp="1"/>
+          </p:cNvSpPr>
+          <p:nvPr>
+            <p:ph type="sldNum" sz="quarter" idx="5"/>
+          </p:nvPr>
+        </p:nvSpPr>
+        <p:spPr/>
+        <p:txBody>
+          <a:bodyPr/>
+          <a:lstStyle/>
+          <a:p>
+            <a:fld id="{FF63ADC1-16D8-FB4C-A8FA-1934EF2E6464}" type="slidenum">
+              <a:rPr lang="fr-FR" smtClean="0"/>
+              <a:t>2</a:t>
+            </a:fld>
+            <a:endParaRPr lang="fr-FR"/>
+          </a:p>
+        </p:txBody>
+      </p:sp>
+    </p:spTree>
+    <p:extLst>
+      <p:ext uri="{BB962C8B-B14F-4D97-AF65-F5344CB8AC3E}">
+        <p14:creationId xmlns:p14="http://schemas.microsoft.com/office/powerpoint/2010/main" val="2315240345"/>
+      </p:ext>
+    </p:extLst>
+  </p:cSld>
+  <p:clrMapOvr>
+    <a:masterClrMapping/>
+  </p:clrMapOvr>
+</p:notes>
+</file>
+
+<file path=ppt/notesSlides/notesSlide2.xml><?xml version="1.0" encoding="utf-8"?>
+<p:notes xmlns:a="http://schemas.openxmlformats.org/drawingml/2006/main" xmlns:r="http://schemas.openxmlformats.org/officeDocument/2006/relationships" xmlns:p="http://schemas.openxmlformats.org/presentationml/2006/main">
+  <p:cSld>
+    <p:spTree>
+      <p:nvGrpSpPr>
+        <p:cNvPr id="1" name=""/>
+        <p:cNvGrpSpPr/>
+        <p:nvPr/>
+      </p:nvGrpSpPr>
+      <p:grpSpPr>
+        <a:xfrm>
+          <a:off x="0" y="0"/>
+          <a:ext cx="0" cy="0"/>
+          <a:chOff x="0" y="0"/>
+          <a:chExt cx="0" cy="0"/>
+        </a:xfrm>
+      </p:grpSpPr>
+      <p:sp>
+        <p:nvSpPr>
+          <p:cNvPr id="2" name="Espace réservé de l'image des diapositives 1"/>
+          <p:cNvSpPr>
+            <a:spLocks noGrp="1" noRot="1" noChangeAspect="1"/>
+          </p:cNvSpPr>
+          <p:nvPr>
+            <p:ph type="sldImg"/>
+          </p:nvPr>
+        </p:nvSpPr>
+        <p:spPr/>
+      </p:sp>
+      <p:sp>
+        <p:nvSpPr>
+          <p:cNvPr id="3" name="Espace réservé des notes 2"/>
+          <p:cNvSpPr>
+            <a:spLocks noGrp="1"/>
+          </p:cNvSpPr>
+          <p:nvPr>
+            <p:ph type="body" idx="1"/>
+          </p:nvPr>
+        </p:nvSpPr>
+        <p:spPr/>
+        <p:txBody>
+          <a:bodyPr/>
+          <a:lstStyle/>
+          <a:p>
+            <a:r>
+              <a:rPr lang="fr-FR" dirty="0"/>
+              <a:t>2 types d'utilisateurs (client / employés)</a:t>
+            </a:r>
+          </a:p>
+          <a:p>
+            <a:endParaRPr lang="fr-FR" dirty="0"/>
+          </a:p>
+          <a:p>
+            <a:r>
+              <a:rPr lang="fr-FR" dirty="0" err="1"/>
+              <a:t>Company</a:t>
+            </a:r>
+            <a:r>
+              <a:rPr lang="fr-FR" dirty="0"/>
+              <a:t> ont une liste de boissons proposées (relation N-N)</a:t>
+            </a:r>
+          </a:p>
+          <a:p>
+            <a:endParaRPr lang="fr-FR" dirty="0"/>
+          </a:p>
+          <a:p>
+            <a:r>
+              <a:rPr lang="fr-FR" dirty="0"/>
+              <a:t>Une offre est une entité faible avec </a:t>
+            </a:r>
+            <a:r>
+              <a:rPr lang="fr-FR" dirty="0" err="1"/>
+              <a:t>client_id</a:t>
+            </a:r>
+            <a:r>
+              <a:rPr lang="fr-FR" dirty="0"/>
+              <a:t> et </a:t>
+            </a:r>
+            <a:r>
+              <a:rPr lang="fr-FR" dirty="0" err="1"/>
+              <a:t>company_id</a:t>
+            </a:r>
+            <a:r>
+              <a:rPr lang="fr-FR" dirty="0"/>
+              <a:t> comme clés</a:t>
+            </a:r>
+          </a:p>
+        </p:txBody>
+      </p:sp>
+      <p:sp>
+        <p:nvSpPr>
+          <p:cNvPr id="4" name="Espace réservé du numéro de diapositive 3"/>
+          <p:cNvSpPr>
+            <a:spLocks noGrp="1"/>
+          </p:cNvSpPr>
+          <p:nvPr>
+            <p:ph type="sldNum" sz="quarter" idx="5"/>
+          </p:nvPr>
+        </p:nvSpPr>
+        <p:spPr/>
+        <p:txBody>
+          <a:bodyPr/>
+          <a:lstStyle/>
+          <a:p>
+            <a:fld id="{FF63ADC1-16D8-FB4C-A8FA-1934EF2E6464}" type="slidenum">
+              <a:rPr lang="fr-FR" smtClean="0"/>
+              <a:t>5</a:t>
+            </a:fld>
+            <a:endParaRPr lang="fr-FR"/>
+          </a:p>
+        </p:txBody>
+      </p:sp>
+    </p:spTree>
+    <p:extLst>
+      <p:ext uri="{BB962C8B-B14F-4D97-AF65-F5344CB8AC3E}">
+        <p14:creationId xmlns:p14="http://schemas.microsoft.com/office/powerpoint/2010/main" val="666388606"/>
+      </p:ext>
+    </p:extLst>
+  </p:cSld>
+  <p:clrMapOvr>
+    <a:masterClrMapping/>
+  </p:clrMapOvr>
+</p:notes>
+</file>
+
+<file path=ppt/notesSlides/notesSlide3.xml><?xml version="1.0" encoding="utf-8"?>
+<p:notes xmlns:a="http://schemas.openxmlformats.org/drawingml/2006/main" xmlns:r="http://schemas.openxmlformats.org/officeDocument/2006/relationships" xmlns:p="http://schemas.openxmlformats.org/presentationml/2006/main">
+  <p:cSld>
+    <p:spTree>
+      <p:nvGrpSpPr>
+        <p:cNvPr id="1" name=""/>
+        <p:cNvGrpSpPr/>
+        <p:nvPr/>
+      </p:nvGrpSpPr>
+      <p:grpSpPr>
+        <a:xfrm>
+          <a:off x="0" y="0"/>
+          <a:ext cx="0" cy="0"/>
+          <a:chOff x="0" y="0"/>
+          <a:chExt cx="0" cy="0"/>
+        </a:xfrm>
+      </p:grpSpPr>
+      <p:sp>
+        <p:nvSpPr>
+          <p:cNvPr id="2" name="Espace réservé de l'image des diapositives 1"/>
+          <p:cNvSpPr>
+            <a:spLocks noGrp="1" noRot="1" noChangeAspect="1"/>
+          </p:cNvSpPr>
+          <p:nvPr>
+            <p:ph type="sldImg"/>
+          </p:nvPr>
+        </p:nvSpPr>
+        <p:spPr/>
+      </p:sp>
+      <p:sp>
+        <p:nvSpPr>
+          <p:cNvPr id="3" name="Espace réservé des notes 2"/>
+          <p:cNvSpPr>
+            <a:spLocks noGrp="1"/>
+          </p:cNvSpPr>
+          <p:nvPr>
+            <p:ph type="body" idx="1"/>
+          </p:nvPr>
+        </p:nvSpPr>
+        <p:spPr/>
+        <p:txBody>
+          <a:bodyPr/>
+          <a:lstStyle/>
+          <a:p>
+            <a:r>
+              <a:rPr lang="fr-FR" dirty="0" err="1"/>
+              <a:t>ForeignKey</a:t>
+            </a:r>
+            <a:r>
+              <a:rPr lang="fr-FR" dirty="0"/>
+              <a:t> --&gt; galéré pour mettre en place jusqu'à ce que la prof nous fournisse un exemple les proposant</a:t>
+            </a:r>
+          </a:p>
+          <a:p>
+            <a:endParaRPr lang="fr-FR" dirty="0"/>
+          </a:p>
+          <a:p>
+            <a:r>
+              <a:rPr lang="fr-FR" dirty="0" err="1"/>
+              <a:t>Énum</a:t>
+            </a:r>
+            <a:r>
+              <a:rPr lang="fr-FR" dirty="0"/>
+              <a:t> -&gt; utilisation d'un mapper pour convertir l'objet Scala en </a:t>
+            </a:r>
+            <a:r>
+              <a:rPr lang="fr-FR" dirty="0" err="1"/>
+              <a:t>Enum</a:t>
+            </a:r>
+            <a:r>
+              <a:rPr lang="fr-FR" dirty="0"/>
+              <a:t> MySQL</a:t>
+            </a:r>
+          </a:p>
+          <a:p>
+            <a:endParaRPr lang="fr-FR" dirty="0"/>
+          </a:p>
+          <a:p>
+            <a:r>
+              <a:rPr lang="fr-FR" dirty="0"/>
+              <a:t>Relation 1-N -&gt; Obligés d'ajouter une </a:t>
+            </a:r>
+            <a:r>
+              <a:rPr lang="fr-FR" dirty="0" err="1"/>
+              <a:t>primaryKey</a:t>
+            </a:r>
+            <a:r>
+              <a:rPr lang="fr-FR" dirty="0"/>
+              <a:t> id en </a:t>
+            </a:r>
+            <a:r>
+              <a:rPr lang="fr-FR" dirty="0" err="1"/>
+              <a:t>autoInc</a:t>
+            </a:r>
+            <a:r>
+              <a:rPr lang="fr-FR" dirty="0"/>
+              <a:t>. Colonne totalement inutile dans notre DB! Merci </a:t>
+            </a:r>
+            <a:r>
+              <a:rPr lang="fr-FR" dirty="0" err="1"/>
+              <a:t>Slick</a:t>
+            </a:r>
+            <a:r>
+              <a:rPr lang="fr-FR" dirty="0"/>
+              <a:t>...!</a:t>
+            </a:r>
+          </a:p>
+        </p:txBody>
+      </p:sp>
+      <p:sp>
+        <p:nvSpPr>
+          <p:cNvPr id="4" name="Espace réservé du numéro de diapositive 3"/>
+          <p:cNvSpPr>
+            <a:spLocks noGrp="1"/>
+          </p:cNvSpPr>
+          <p:nvPr>
+            <p:ph type="sldNum" sz="quarter" idx="5"/>
+          </p:nvPr>
+        </p:nvSpPr>
+        <p:spPr/>
+        <p:txBody>
+          <a:bodyPr/>
+          <a:lstStyle/>
+          <a:p>
+            <a:fld id="{FF63ADC1-16D8-FB4C-A8FA-1934EF2E6464}" type="slidenum">
+              <a:rPr lang="fr-FR" smtClean="0"/>
+              <a:t>7</a:t>
+            </a:fld>
+            <a:endParaRPr lang="fr-FR"/>
+          </a:p>
+        </p:txBody>
+      </p:sp>
+    </p:spTree>
+    <p:extLst>
+      <p:ext uri="{BB962C8B-B14F-4D97-AF65-F5344CB8AC3E}">
+        <p14:creationId xmlns:p14="http://schemas.microsoft.com/office/powerpoint/2010/main" val="988012461"/>
+      </p:ext>
+    </p:extLst>
+  </p:cSld>
+  <p:clrMapOvr>
+    <a:masterClrMapping/>
+  </p:clrMapOvr>
+</p:notes>
 </file>
 
 <file path=ppt/slideLayouts/slideLayout1.xml><?xml version="1.0" encoding="utf-8"?>
@@ -7232,7 +7961,252 @@
 </p:sld>
 </file>
 
-<file path=ppt/slides/slide2.xml><?xml version="1.0" encoding="utf-8"?>
+<file path=ppt/slides/slide10.xml><?xml version="1.0" encoding="utf-8"?>
+<p:sld xmlns:a="http://schemas.openxmlformats.org/drawingml/2006/main" xmlns:r="http://schemas.openxmlformats.org/officeDocument/2006/relationships" xmlns:p="http://schemas.openxmlformats.org/presentationml/2006/main">
+  <p:cSld>
+    <p:spTree>
+      <p:nvGrpSpPr>
+        <p:cNvPr id="1" name=""/>
+        <p:cNvGrpSpPr/>
+        <p:nvPr/>
+      </p:nvGrpSpPr>
+      <p:grpSpPr>
+        <a:xfrm>
+          <a:off x="0" y="0"/>
+          <a:ext cx="0" cy="0"/>
+          <a:chOff x="0" y="0"/>
+          <a:chExt cx="0" cy="0"/>
+        </a:xfrm>
+      </p:grpSpPr>
+      <p:sp>
+        <p:nvSpPr>
+          <p:cNvPr id="2" name="Titre 1">
+            <a:extLst>
+              <a:ext uri="{FF2B5EF4-FFF2-40B4-BE49-F238E27FC236}">
+                <a16:creationId xmlns:a16="http://schemas.microsoft.com/office/drawing/2014/main" id="{764BD8F5-A19A-4F6C-B9A9-DCC49550F3E5}"/>
+              </a:ext>
+            </a:extLst>
+          </p:cNvPr>
+          <p:cNvSpPr>
+            <a:spLocks noGrp="1"/>
+          </p:cNvSpPr>
+          <p:nvPr>
+            <p:ph type="title"/>
+          </p:nvPr>
+        </p:nvSpPr>
+        <p:spPr/>
+        <p:txBody>
+          <a:bodyPr/>
+          <a:lstStyle/>
+          <a:p>
+            <a:r>
+              <a:rPr lang="fr-CH" dirty="0" err="1"/>
+              <a:t>FrontEnd</a:t>
+            </a:r>
+            <a:r>
+              <a:rPr lang="fr-CH" dirty="0"/>
+              <a:t> Web</a:t>
+            </a:r>
+            <a:endParaRPr lang="en-GB" dirty="0"/>
+          </a:p>
+        </p:txBody>
+      </p:sp>
+      <p:sp>
+        <p:nvSpPr>
+          <p:cNvPr id="3" name="Espace réservé du contenu 2">
+            <a:extLst>
+              <a:ext uri="{FF2B5EF4-FFF2-40B4-BE49-F238E27FC236}">
+                <a16:creationId xmlns:a16="http://schemas.microsoft.com/office/drawing/2014/main" id="{D6298587-A716-446D-8817-5C04303831D6}"/>
+              </a:ext>
+            </a:extLst>
+          </p:cNvPr>
+          <p:cNvSpPr>
+            <a:spLocks noGrp="1"/>
+          </p:cNvSpPr>
+          <p:nvPr>
+            <p:ph idx="1"/>
+          </p:nvPr>
+        </p:nvSpPr>
+        <p:spPr>
+          <a:xfrm>
+            <a:off x="1251678" y="2836111"/>
+            <a:ext cx="10178322" cy="3593591"/>
+          </a:xfrm>
+        </p:spPr>
+        <p:txBody>
+          <a:bodyPr>
+            <a:noAutofit/>
+          </a:bodyPr>
+          <a:lstStyle/>
+          <a:p>
+            <a:r>
+              <a:rPr lang="fr-CH" sz="2800" dirty="0"/>
+              <a:t>Consulter les informations sur le Beer </a:t>
+            </a:r>
+            <a:r>
+              <a:rPr lang="fr-CH" sz="2800" dirty="0" err="1"/>
+              <a:t>Pass</a:t>
+            </a:r>
+            <a:endParaRPr lang="fr-CH" sz="2800" dirty="0"/>
+          </a:p>
+          <a:p>
+            <a:r>
+              <a:rPr lang="fr-CH" sz="2800" dirty="0"/>
+              <a:t>Consulter des statistiques</a:t>
+            </a:r>
+          </a:p>
+          <a:p>
+            <a:r>
+              <a:rPr lang="fr-CH" sz="2800" dirty="0"/>
+              <a:t>Consulter tous les établissements partenaires sur une carte</a:t>
+            </a:r>
+          </a:p>
+          <a:p>
+            <a:r>
+              <a:rPr lang="fr-CH" sz="2800" dirty="0"/>
+              <a:t>Consulter les détails de tous les établissements partenaires</a:t>
+            </a:r>
+          </a:p>
+          <a:p>
+            <a:r>
+              <a:rPr lang="fr-CH" sz="2800" dirty="0"/>
+              <a:t>Se procurer un Beer </a:t>
+            </a:r>
+            <a:r>
+              <a:rPr lang="fr-CH" sz="2800" dirty="0" err="1"/>
+              <a:t>Pass</a:t>
+            </a:r>
+            <a:endParaRPr lang="en-GB" sz="2800" dirty="0"/>
+          </a:p>
+        </p:txBody>
+      </p:sp>
+      <p:pic>
+        <p:nvPicPr>
+          <p:cNvPr id="2052" name="Picture 4" descr="RÃ©sultat de recherche d'images pour &quot;react image&quot;">
+            <a:extLst>
+              <a:ext uri="{FF2B5EF4-FFF2-40B4-BE49-F238E27FC236}">
+                <a16:creationId xmlns:a16="http://schemas.microsoft.com/office/drawing/2014/main" id="{6B580A3B-C377-421C-B953-2991A2018F1B}"/>
+              </a:ext>
+            </a:extLst>
+          </p:cNvPr>
+          <p:cNvPicPr>
+            <a:picLocks noChangeAspect="1" noChangeArrowheads="1"/>
+          </p:cNvPicPr>
+          <p:nvPr/>
+        </p:nvPicPr>
+        <p:blipFill>
+          <a:blip r:embed="rId2">
+            <a:extLst>
+              <a:ext uri="{28A0092B-C50C-407E-A947-70E740481C1C}">
+                <a14:useLocalDpi xmlns:a14="http://schemas.microsoft.com/office/drawing/2010/main" val="0"/>
+              </a:ext>
+            </a:extLst>
+          </a:blip>
+          <a:srcRect/>
+          <a:stretch>
+            <a:fillRect/>
+          </a:stretch>
+        </p:blipFill>
+        <p:spPr bwMode="auto">
+          <a:xfrm>
+            <a:off x="8271641" y="428298"/>
+            <a:ext cx="1857703" cy="1857703"/>
+          </a:xfrm>
+          <a:prstGeom prst="rect">
+            <a:avLst/>
+          </a:prstGeom>
+          <a:noFill/>
+          <a:extLst>
+            <a:ext uri="{909E8E84-426E-40DD-AFC4-6F175D3DCCD1}">
+              <a14:hiddenFill xmlns:a14="http://schemas.microsoft.com/office/drawing/2010/main">
+                <a:solidFill>
+                  <a:srgbClr val="FFFFFF"/>
+                </a:solidFill>
+              </a14:hiddenFill>
+            </a:ext>
+          </a:extLst>
+        </p:spPr>
+      </p:pic>
+    </p:spTree>
+    <p:extLst>
+      <p:ext uri="{BB962C8B-B14F-4D97-AF65-F5344CB8AC3E}">
+        <p14:creationId xmlns:p14="http://schemas.microsoft.com/office/powerpoint/2010/main" val="4249401302"/>
+      </p:ext>
+    </p:extLst>
+  </p:cSld>
+  <p:clrMapOvr>
+    <a:masterClrMapping/>
+  </p:clrMapOvr>
+</p:sld>
+</file>
+
+<file path=ppt/slides/slide11.xml><?xml version="1.0" encoding="utf-8"?>
+<p:sld xmlns:a="http://schemas.openxmlformats.org/drawingml/2006/main" xmlns:r="http://schemas.openxmlformats.org/officeDocument/2006/relationships" xmlns:p="http://schemas.openxmlformats.org/presentationml/2006/main">
+  <p:cSld>
+    <p:spTree>
+      <p:nvGrpSpPr>
+        <p:cNvPr id="1" name=""/>
+        <p:cNvGrpSpPr/>
+        <p:nvPr/>
+      </p:nvGrpSpPr>
+      <p:grpSpPr>
+        <a:xfrm>
+          <a:off x="0" y="0"/>
+          <a:ext cx="0" cy="0"/>
+          <a:chOff x="0" y="0"/>
+          <a:chExt cx="0" cy="0"/>
+        </a:xfrm>
+      </p:grpSpPr>
+      <p:pic>
+        <p:nvPicPr>
+          <p:cNvPr id="3" name="Image 2">
+            <a:extLst>
+              <a:ext uri="{FF2B5EF4-FFF2-40B4-BE49-F238E27FC236}">
+                <a16:creationId xmlns:a16="http://schemas.microsoft.com/office/drawing/2014/main" id="{0CD54DFE-A0A2-804C-8E48-4626A4459FB8}"/>
+              </a:ext>
+            </a:extLst>
+          </p:cNvPr>
+          <p:cNvPicPr>
+            <a:picLocks noChangeAspect="1"/>
+          </p:cNvPicPr>
+          <p:nvPr/>
+        </p:nvPicPr>
+        <p:blipFill>
+          <a:blip r:embed="rId2">
+            <a:extLst>
+              <a:ext uri="{28A0092B-C50C-407E-A947-70E740481C1C}">
+                <a14:useLocalDpi xmlns:a14="http://schemas.microsoft.com/office/drawing/2010/main" val="0"/>
+              </a:ext>
+            </a:extLst>
+          </a:blip>
+          <a:stretch>
+            <a:fillRect/>
+          </a:stretch>
+        </p:blipFill>
+        <p:spPr>
+          <a:xfrm>
+            <a:off x="3654669" y="603739"/>
+            <a:ext cx="4999892" cy="4999892"/>
+          </a:xfrm>
+          <a:prstGeom prst="rect">
+            <a:avLst/>
+          </a:prstGeom>
+        </p:spPr>
+      </p:pic>
+    </p:spTree>
+    <p:extLst>
+      <p:ext uri="{BB962C8B-B14F-4D97-AF65-F5344CB8AC3E}">
+        <p14:creationId xmlns:p14="http://schemas.microsoft.com/office/powerpoint/2010/main" val="2923867725"/>
+      </p:ext>
+    </p:extLst>
+  </p:cSld>
+  <p:clrMapOvr>
+    <a:masterClrMapping/>
+  </p:clrMapOvr>
+</p:sld>
+</file>
+
+<file path=ppt/slides/slide12.xml><?xml version="1.0" encoding="utf-8"?>
 <p:sld xmlns:a="http://schemas.openxmlformats.org/drawingml/2006/main" xmlns:r="http://schemas.openxmlformats.org/officeDocument/2006/relationships" xmlns:p="http://schemas.openxmlformats.org/presentationml/2006/main">
   <p:cSld>
     <p:spTree>
@@ -7802,186 +8776,7 @@
 </p:sld>
 </file>
 
-<file path=ppt/slides/slide3.xml><?xml version="1.0" encoding="utf-8"?>
-<p:sld xmlns:a="http://schemas.openxmlformats.org/drawingml/2006/main" xmlns:r="http://schemas.openxmlformats.org/officeDocument/2006/relationships" xmlns:p="http://schemas.openxmlformats.org/presentationml/2006/main">
-  <p:cSld>
-    <p:spTree>
-      <p:nvGrpSpPr>
-        <p:cNvPr id="1" name=""/>
-        <p:cNvGrpSpPr/>
-        <p:nvPr/>
-      </p:nvGrpSpPr>
-      <p:grpSpPr>
-        <a:xfrm>
-          <a:off x="0" y="0"/>
-          <a:ext cx="0" cy="0"/>
-          <a:chOff x="0" y="0"/>
-          <a:chExt cx="0" cy="0"/>
-        </a:xfrm>
-      </p:grpSpPr>
-      <p:sp>
-        <p:nvSpPr>
-          <p:cNvPr id="2" name="Titre 1">
-            <a:extLst>
-              <a:ext uri="{FF2B5EF4-FFF2-40B4-BE49-F238E27FC236}">
-                <a16:creationId xmlns:a16="http://schemas.microsoft.com/office/drawing/2014/main" id="{764BD8F5-A19A-4F6C-B9A9-DCC49550F3E5}"/>
-              </a:ext>
-            </a:extLst>
-          </p:cNvPr>
-          <p:cNvSpPr>
-            <a:spLocks noGrp="1"/>
-          </p:cNvSpPr>
-          <p:nvPr>
-            <p:ph type="title"/>
-          </p:nvPr>
-        </p:nvSpPr>
-        <p:spPr/>
-        <p:txBody>
-          <a:bodyPr/>
-          <a:lstStyle/>
-          <a:p>
-            <a:r>
-              <a:rPr lang="fr-CH" dirty="0" err="1"/>
-              <a:t>FrontEnd</a:t>
-            </a:r>
-            <a:r>
-              <a:rPr lang="fr-CH" dirty="0"/>
-              <a:t> Web</a:t>
-            </a:r>
-            <a:endParaRPr lang="en-GB" dirty="0"/>
-          </a:p>
-        </p:txBody>
-      </p:sp>
-      <p:sp>
-        <p:nvSpPr>
-          <p:cNvPr id="3" name="Espace réservé du contenu 2">
-            <a:extLst>
-              <a:ext uri="{FF2B5EF4-FFF2-40B4-BE49-F238E27FC236}">
-                <a16:creationId xmlns:a16="http://schemas.microsoft.com/office/drawing/2014/main" id="{D6298587-A716-446D-8817-5C04303831D6}"/>
-              </a:ext>
-            </a:extLst>
-          </p:cNvPr>
-          <p:cNvSpPr>
-            <a:spLocks noGrp="1"/>
-          </p:cNvSpPr>
-          <p:nvPr>
-            <p:ph idx="1"/>
-          </p:nvPr>
-        </p:nvSpPr>
-        <p:spPr>
-          <a:xfrm>
-            <a:off x="1251678" y="2836111"/>
-            <a:ext cx="10178322" cy="3593591"/>
-          </a:xfrm>
-        </p:spPr>
-        <p:txBody>
-          <a:bodyPr>
-            <a:noAutofit/>
-          </a:bodyPr>
-          <a:lstStyle/>
-          <a:p>
-            <a:r>
-              <a:rPr lang="fr-CH" sz="2800" dirty="0"/>
-              <a:t>Consulter les informations sur le Beer </a:t>
-            </a:r>
-            <a:r>
-              <a:rPr lang="fr-CH" sz="2800" dirty="0" err="1"/>
-              <a:t>Pass</a:t>
-            </a:r>
-            <a:endParaRPr lang="fr-CH" sz="2800" dirty="0"/>
-          </a:p>
-          <a:p>
-            <a:r>
-              <a:rPr lang="fr-CH" sz="2800" dirty="0"/>
-              <a:t>Consulter des statistiques</a:t>
-            </a:r>
-          </a:p>
-          <a:p>
-            <a:r>
-              <a:rPr lang="fr-CH" sz="2800" dirty="0"/>
-              <a:t>Consulter tous les établissements partenaires sur une carte</a:t>
-            </a:r>
-          </a:p>
-          <a:p>
-            <a:r>
-              <a:rPr lang="fr-CH" sz="2800" dirty="0"/>
-              <a:t>Consulter les détails de tous les établissements partenaires</a:t>
-            </a:r>
-          </a:p>
-          <a:p>
-            <a:r>
-              <a:rPr lang="fr-CH" sz="2800" dirty="0"/>
-              <a:t>Se procurer un Beer </a:t>
-            </a:r>
-            <a:r>
-              <a:rPr lang="fr-CH" sz="2800" dirty="0" err="1"/>
-              <a:t>Pass</a:t>
-            </a:r>
-            <a:endParaRPr lang="en-GB" sz="2800" dirty="0"/>
-          </a:p>
-        </p:txBody>
-      </p:sp>
-      <p:pic>
-        <p:nvPicPr>
-          <p:cNvPr id="2052" name="Picture 4" descr="RÃ©sultat de recherche d'images pour &quot;react image&quot;">
-            <a:extLst>
-              <a:ext uri="{FF2B5EF4-FFF2-40B4-BE49-F238E27FC236}">
-                <a16:creationId xmlns:a16="http://schemas.microsoft.com/office/drawing/2014/main" id="{6B580A3B-C377-421C-B953-2991A2018F1B}"/>
-              </a:ext>
-            </a:extLst>
-          </p:cNvPr>
-          <p:cNvPicPr>
-            <a:picLocks noChangeAspect="1" noChangeArrowheads="1"/>
-          </p:cNvPicPr>
-          <p:nvPr/>
-        </p:nvPicPr>
-        <p:blipFill>
-          <a:blip r:embed="rId2">
-            <a:extLst>
-              <a:ext uri="{28A0092B-C50C-407E-A947-70E740481C1C}">
-                <a14:useLocalDpi xmlns:a14="http://schemas.microsoft.com/office/drawing/2010/main" val="0"/>
-              </a:ext>
-            </a:extLst>
-          </a:blip>
-          <a:srcRect/>
-          <a:stretch>
-            <a:fillRect/>
-          </a:stretch>
-        </p:blipFill>
-        <p:spPr bwMode="auto">
-          <a:xfrm>
-            <a:off x="8271641" y="428298"/>
-            <a:ext cx="1857703" cy="1857703"/>
-          </a:xfrm>
-          <a:prstGeom prst="rect">
-            <a:avLst/>
-          </a:prstGeom>
-          <a:noFill/>
-          <a:extLst>
-            <a:ext uri="{909E8E84-426E-40DD-AFC4-6F175D3DCCD1}">
-              <a14:hiddenFill xmlns:a14="http://schemas.microsoft.com/office/drawing/2010/main">
-                <a:solidFill>
-                  <a:srgbClr val="FFFFFF"/>
-                </a:solidFill>
-              </a14:hiddenFill>
-            </a:ext>
-          </a:extLst>
-        </p:spPr>
-      </p:pic>
-    </p:spTree>
-    <p:extLst>
-      <p:ext uri="{BB962C8B-B14F-4D97-AF65-F5344CB8AC3E}">
-        <p14:creationId xmlns:p14="http://schemas.microsoft.com/office/powerpoint/2010/main" val="4249401302"/>
-      </p:ext>
-    </p:extLst>
-  </p:cSld>
-  <p:clrMapOvr>
-    <a:masterClrMapping/>
-  </p:clrMapOvr>
-</p:sld>
-</file>
-
-<file path=ppt/slides/slide4.xml><?xml version="1.0" encoding="utf-8"?>
+<file path=ppt/slides/slide13.xml><?xml version="1.0" encoding="utf-8"?>
 <p:sld xmlns:a="http://schemas.openxmlformats.org/drawingml/2006/main" xmlns:r="http://schemas.openxmlformats.org/officeDocument/2006/relationships" xmlns:p="http://schemas.openxmlformats.org/presentationml/2006/main">
   <p:cSld>
     <p:spTree>
@@ -8031,6 +8826,1017 @@
     <p:extLst>
       <p:ext uri="{BB962C8B-B14F-4D97-AF65-F5344CB8AC3E}">
         <p14:creationId xmlns:p14="http://schemas.microsoft.com/office/powerpoint/2010/main" val="1132391641"/>
+      </p:ext>
+    </p:extLst>
+  </p:cSld>
+  <p:clrMapOvr>
+    <a:masterClrMapping/>
+  </p:clrMapOvr>
+</p:sld>
+</file>
+
+<file path=ppt/slides/slide2.xml><?xml version="1.0" encoding="utf-8"?>
+<p:sld xmlns:a="http://schemas.openxmlformats.org/drawingml/2006/main" xmlns:r="http://schemas.openxmlformats.org/officeDocument/2006/relationships" xmlns:p="http://schemas.openxmlformats.org/presentationml/2006/main">
+  <p:cSld>
+    <p:spTree>
+      <p:nvGrpSpPr>
+        <p:cNvPr id="1" name=""/>
+        <p:cNvGrpSpPr/>
+        <p:nvPr/>
+      </p:nvGrpSpPr>
+      <p:grpSpPr>
+        <a:xfrm>
+          <a:off x="0" y="0"/>
+          <a:ext cx="0" cy="0"/>
+          <a:chOff x="0" y="0"/>
+          <a:chExt cx="0" cy="0"/>
+        </a:xfrm>
+      </p:grpSpPr>
+      <p:sp>
+        <p:nvSpPr>
+          <p:cNvPr id="2" name="Titre 1">
+            <a:extLst>
+              <a:ext uri="{FF2B5EF4-FFF2-40B4-BE49-F238E27FC236}">
+                <a16:creationId xmlns:a16="http://schemas.microsoft.com/office/drawing/2014/main" id="{1EFCEB36-7585-DC4D-87C4-21DD4A6F66FA}"/>
+              </a:ext>
+            </a:extLst>
+          </p:cNvPr>
+          <p:cNvSpPr>
+            <a:spLocks noGrp="1"/>
+          </p:cNvSpPr>
+          <p:nvPr>
+            <p:ph type="title"/>
+          </p:nvPr>
+        </p:nvSpPr>
+        <p:spPr/>
+        <p:txBody>
+          <a:bodyPr/>
+          <a:lstStyle/>
+          <a:p>
+            <a:r>
+              <a:rPr lang="fr-FR" dirty="0" err="1"/>
+              <a:t>Beer</a:t>
+            </a:r>
+            <a:r>
+              <a:rPr lang="fr-FR" dirty="0"/>
+              <a:t> </a:t>
+            </a:r>
+            <a:r>
+              <a:rPr lang="fr-FR" dirty="0" err="1"/>
+              <a:t>pass</a:t>
+            </a:r>
+            <a:endParaRPr lang="fr-FR" dirty="0"/>
+          </a:p>
+        </p:txBody>
+      </p:sp>
+      <p:sp>
+        <p:nvSpPr>
+          <p:cNvPr id="3" name="Espace réservé du contenu 2">
+            <a:extLst>
+              <a:ext uri="{FF2B5EF4-FFF2-40B4-BE49-F238E27FC236}">
+                <a16:creationId xmlns:a16="http://schemas.microsoft.com/office/drawing/2014/main" id="{2AC6CF7E-D5D3-6F41-9547-E9CDF17EB308}"/>
+              </a:ext>
+            </a:extLst>
+          </p:cNvPr>
+          <p:cNvSpPr>
+            <a:spLocks noGrp="1"/>
+          </p:cNvSpPr>
+          <p:nvPr>
+            <p:ph idx="1"/>
+          </p:nvPr>
+        </p:nvSpPr>
+        <p:spPr/>
+        <p:txBody>
+          <a:bodyPr/>
+          <a:lstStyle/>
+          <a:p>
+            <a:r>
+              <a:rPr lang="fr-FR" dirty="0"/>
+              <a:t>Abonnement à 49.- par an</a:t>
+            </a:r>
+          </a:p>
+          <a:p>
+            <a:r>
+              <a:rPr lang="fr-FR" dirty="0"/>
+              <a:t>Une bière gratuite dans chaque établissement partenaire (bars ou brasseries)</a:t>
+            </a:r>
+          </a:p>
+          <a:p>
+            <a:endParaRPr lang="fr-FR" dirty="0"/>
+          </a:p>
+          <a:p>
+            <a:r>
+              <a:rPr lang="fr-FR" dirty="0"/>
+              <a:t>Avantages: </a:t>
+            </a:r>
+          </a:p>
+          <a:p>
+            <a:pPr lvl="1"/>
+            <a:r>
+              <a:rPr lang="fr-FR" dirty="0"/>
+              <a:t>Pour les clients: </a:t>
+            </a:r>
+          </a:p>
+          <a:p>
+            <a:pPr lvl="2"/>
+            <a:r>
+              <a:rPr lang="fr-FR" dirty="0"/>
+              <a:t>Découvrir de nouvelles brasseries</a:t>
+            </a:r>
+          </a:p>
+          <a:p>
+            <a:pPr lvl="1"/>
+            <a:r>
+              <a:rPr lang="fr-FR" dirty="0"/>
+              <a:t>Pour les brasseries: </a:t>
+            </a:r>
+          </a:p>
+          <a:p>
+            <a:pPr lvl="2"/>
+            <a:r>
+              <a:rPr lang="fr-FR" dirty="0"/>
+              <a:t>Attirer de nouveaux clients</a:t>
+            </a:r>
+          </a:p>
+        </p:txBody>
+      </p:sp>
+    </p:spTree>
+    <p:extLst>
+      <p:ext uri="{BB962C8B-B14F-4D97-AF65-F5344CB8AC3E}">
+        <p14:creationId xmlns:p14="http://schemas.microsoft.com/office/powerpoint/2010/main" val="1063607768"/>
+      </p:ext>
+    </p:extLst>
+  </p:cSld>
+  <p:clrMapOvr>
+    <a:masterClrMapping/>
+  </p:clrMapOvr>
+</p:sld>
+</file>
+
+<file path=ppt/slides/slide3.xml><?xml version="1.0" encoding="utf-8"?>
+<p:sld xmlns:a="http://schemas.openxmlformats.org/drawingml/2006/main" xmlns:r="http://schemas.openxmlformats.org/officeDocument/2006/relationships" xmlns:p="http://schemas.openxmlformats.org/presentationml/2006/main">
+  <p:cSld>
+    <p:spTree>
+      <p:nvGrpSpPr>
+        <p:cNvPr id="1" name=""/>
+        <p:cNvGrpSpPr/>
+        <p:nvPr/>
+      </p:nvGrpSpPr>
+      <p:grpSpPr>
+        <a:xfrm>
+          <a:off x="0" y="0"/>
+          <a:ext cx="0" cy="0"/>
+          <a:chOff x="0" y="0"/>
+          <a:chExt cx="0" cy="0"/>
+        </a:xfrm>
+      </p:grpSpPr>
+      <p:pic>
+        <p:nvPicPr>
+          <p:cNvPr id="6" name="Image 5">
+            <a:extLst>
+              <a:ext uri="{FF2B5EF4-FFF2-40B4-BE49-F238E27FC236}">
+                <a16:creationId xmlns:a16="http://schemas.microsoft.com/office/drawing/2014/main" id="{C58B92E6-2E74-7B43-A1C4-CE3FC01AAE7D}"/>
+              </a:ext>
+            </a:extLst>
+          </p:cNvPr>
+          <p:cNvPicPr>
+            <a:picLocks noChangeAspect="1"/>
+          </p:cNvPicPr>
+          <p:nvPr/>
+        </p:nvPicPr>
+        <p:blipFill>
+          <a:blip r:embed="rId2">
+            <a:extLst>
+              <a:ext uri="{28A0092B-C50C-407E-A947-70E740481C1C}">
+                <a14:useLocalDpi xmlns:a14="http://schemas.microsoft.com/office/drawing/2010/main" val="0"/>
+              </a:ext>
+            </a:extLst>
+          </a:blip>
+          <a:stretch>
+            <a:fillRect/>
+          </a:stretch>
+        </p:blipFill>
+        <p:spPr>
+          <a:xfrm>
+            <a:off x="3686907" y="550985"/>
+            <a:ext cx="4958862" cy="4958862"/>
+          </a:xfrm>
+          <a:prstGeom prst="rect">
+            <a:avLst/>
+          </a:prstGeom>
+        </p:spPr>
+      </p:pic>
+    </p:spTree>
+    <p:extLst>
+      <p:ext uri="{BB962C8B-B14F-4D97-AF65-F5344CB8AC3E}">
+        <p14:creationId xmlns:p14="http://schemas.microsoft.com/office/powerpoint/2010/main" val="3999098039"/>
+      </p:ext>
+    </p:extLst>
+  </p:cSld>
+  <p:clrMapOvr>
+    <a:masterClrMapping/>
+  </p:clrMapOvr>
+</p:sld>
+</file>
+
+<file path=ppt/slides/slide4.xml><?xml version="1.0" encoding="utf-8"?>
+<p:sld xmlns:a="http://schemas.openxmlformats.org/drawingml/2006/main" xmlns:r="http://schemas.openxmlformats.org/officeDocument/2006/relationships" xmlns:p="http://schemas.openxmlformats.org/presentationml/2006/main">
+  <p:cSld>
+    <p:spTree>
+      <p:nvGrpSpPr>
+        <p:cNvPr id="1" name=""/>
+        <p:cNvGrpSpPr/>
+        <p:nvPr/>
+      </p:nvGrpSpPr>
+      <p:grpSpPr>
+        <a:xfrm>
+          <a:off x="0" y="0"/>
+          <a:ext cx="0" cy="0"/>
+          <a:chOff x="0" y="0"/>
+          <a:chExt cx="0" cy="0"/>
+        </a:xfrm>
+      </p:grpSpPr>
+      <p:sp>
+        <p:nvSpPr>
+          <p:cNvPr id="2" name="Titre 1">
+            <a:extLst>
+              <a:ext uri="{FF2B5EF4-FFF2-40B4-BE49-F238E27FC236}">
+                <a16:creationId xmlns:a16="http://schemas.microsoft.com/office/drawing/2014/main" id="{6946D5F9-5580-48D3-A661-A551651F50B0}"/>
+              </a:ext>
+            </a:extLst>
+          </p:cNvPr>
+          <p:cNvSpPr>
+            <a:spLocks noGrp="1"/>
+          </p:cNvSpPr>
+          <p:nvPr>
+            <p:ph type="title"/>
+          </p:nvPr>
+        </p:nvSpPr>
+        <p:spPr/>
+        <p:txBody>
+          <a:bodyPr>
+            <a:normAutofit/>
+          </a:bodyPr>
+          <a:lstStyle/>
+          <a:p>
+            <a:r>
+              <a:rPr lang="fr-CH" dirty="0"/>
+              <a:t>technologies utilisées</a:t>
+            </a:r>
+            <a:endParaRPr lang="en-GB" dirty="0"/>
+          </a:p>
+        </p:txBody>
+      </p:sp>
+      <p:pic>
+        <p:nvPicPr>
+          <p:cNvPr id="5" name="Graphique 4">
+            <a:extLst>
+              <a:ext uri="{FF2B5EF4-FFF2-40B4-BE49-F238E27FC236}">
+                <a16:creationId xmlns:a16="http://schemas.microsoft.com/office/drawing/2014/main" id="{790C5F0C-827A-F540-A79B-E286A999A662}"/>
+              </a:ext>
+            </a:extLst>
+          </p:cNvPr>
+          <p:cNvPicPr>
+            <a:picLocks noChangeAspect="1"/>
+          </p:cNvPicPr>
+          <p:nvPr/>
+        </p:nvPicPr>
+        <p:blipFill>
+          <a:blip r:embed="rId2">
+            <a:extLst>
+              <a:ext uri="{28A0092B-C50C-407E-A947-70E740481C1C}">
+                <a14:useLocalDpi xmlns:a14="http://schemas.microsoft.com/office/drawing/2010/main" val="0"/>
+              </a:ext>
+              <a:ext uri="{96DAC541-7B7A-43D3-8B79-37D633B846F1}">
+                <asvg:svgBlip xmlns:asvg="http://schemas.microsoft.com/office/drawing/2016/SVG/main" r:embed="rId3"/>
+              </a:ext>
+            </a:extLst>
+          </a:blip>
+          <a:stretch>
+            <a:fillRect/>
+          </a:stretch>
+        </p:blipFill>
+        <p:spPr>
+          <a:xfrm>
+            <a:off x="2097940" y="1874517"/>
+            <a:ext cx="3867933" cy="2018920"/>
+          </a:xfrm>
+          <a:prstGeom prst="rect">
+            <a:avLst/>
+          </a:prstGeom>
+        </p:spPr>
+      </p:pic>
+      <p:pic>
+        <p:nvPicPr>
+          <p:cNvPr id="7" name="Image 6">
+            <a:extLst>
+              <a:ext uri="{FF2B5EF4-FFF2-40B4-BE49-F238E27FC236}">
+                <a16:creationId xmlns:a16="http://schemas.microsoft.com/office/drawing/2014/main" id="{9B5194FB-ED37-1748-AF05-6E0EBC565F06}"/>
+              </a:ext>
+            </a:extLst>
+          </p:cNvPr>
+          <p:cNvPicPr>
+            <a:picLocks noChangeAspect="1"/>
+          </p:cNvPicPr>
+          <p:nvPr/>
+        </p:nvPicPr>
+        <p:blipFill>
+          <a:blip r:embed="rId4">
+            <a:extLst>
+              <a:ext uri="{28A0092B-C50C-407E-A947-70E740481C1C}">
+                <a14:useLocalDpi xmlns:a14="http://schemas.microsoft.com/office/drawing/2010/main" val="0"/>
+              </a:ext>
+            </a:extLst>
+          </a:blip>
+          <a:stretch>
+            <a:fillRect/>
+          </a:stretch>
+        </p:blipFill>
+        <p:spPr>
+          <a:xfrm>
+            <a:off x="3930392" y="4481898"/>
+            <a:ext cx="4331215" cy="1858891"/>
+          </a:xfrm>
+          <a:prstGeom prst="rect">
+            <a:avLst/>
+          </a:prstGeom>
+        </p:spPr>
+      </p:pic>
+      <p:pic>
+        <p:nvPicPr>
+          <p:cNvPr id="10" name="Image 9" descr="Une image contenant objet&#10;&#10;Description générée automatiquement">
+            <a:extLst>
+              <a:ext uri="{FF2B5EF4-FFF2-40B4-BE49-F238E27FC236}">
+                <a16:creationId xmlns:a16="http://schemas.microsoft.com/office/drawing/2014/main" id="{C8A4E25A-36E5-6843-A694-1B6DDA4385AC}"/>
+              </a:ext>
+            </a:extLst>
+          </p:cNvPr>
+          <p:cNvPicPr>
+            <a:picLocks noChangeAspect="1"/>
+          </p:cNvPicPr>
+          <p:nvPr/>
+        </p:nvPicPr>
+        <p:blipFill>
+          <a:blip r:embed="rId5">
+            <a:extLst>
+              <a:ext uri="{28A0092B-C50C-407E-A947-70E740481C1C}">
+                <a14:useLocalDpi xmlns:a14="http://schemas.microsoft.com/office/drawing/2010/main" val="0"/>
+              </a:ext>
+            </a:extLst>
+          </a:blip>
+          <a:stretch>
+            <a:fillRect/>
+          </a:stretch>
+        </p:blipFill>
+        <p:spPr>
+          <a:xfrm>
+            <a:off x="6812134" y="1684400"/>
+            <a:ext cx="3913899" cy="2018920"/>
+          </a:xfrm>
+          <a:prstGeom prst="rect">
+            <a:avLst/>
+          </a:prstGeom>
+        </p:spPr>
+      </p:pic>
+    </p:spTree>
+    <p:extLst>
+      <p:ext uri="{BB962C8B-B14F-4D97-AF65-F5344CB8AC3E}">
+        <p14:creationId xmlns:p14="http://schemas.microsoft.com/office/powerpoint/2010/main" val="2211139187"/>
+      </p:ext>
+    </p:extLst>
+  </p:cSld>
+  <p:clrMapOvr>
+    <a:masterClrMapping/>
+  </p:clrMapOvr>
+</p:sld>
+</file>
+
+<file path=ppt/slides/slide5.xml><?xml version="1.0" encoding="utf-8"?>
+<p:sld xmlns:a="http://schemas.openxmlformats.org/drawingml/2006/main" xmlns:r="http://schemas.openxmlformats.org/officeDocument/2006/relationships" xmlns:p="http://schemas.openxmlformats.org/presentationml/2006/main">
+  <p:cSld>
+    <p:spTree>
+      <p:nvGrpSpPr>
+        <p:cNvPr id="1" name=""/>
+        <p:cNvGrpSpPr/>
+        <p:nvPr/>
+      </p:nvGrpSpPr>
+      <p:grpSpPr>
+        <a:xfrm>
+          <a:off x="0" y="0"/>
+          <a:ext cx="0" cy="0"/>
+          <a:chOff x="0" y="0"/>
+          <a:chExt cx="0" cy="0"/>
+        </a:xfrm>
+      </p:grpSpPr>
+      <p:sp>
+        <p:nvSpPr>
+          <p:cNvPr id="2" name="Titre 1">
+            <a:extLst>
+              <a:ext uri="{FF2B5EF4-FFF2-40B4-BE49-F238E27FC236}">
+                <a16:creationId xmlns:a16="http://schemas.microsoft.com/office/drawing/2014/main" id="{C5196515-B87A-9049-9AE4-68A96C27788E}"/>
+              </a:ext>
+            </a:extLst>
+          </p:cNvPr>
+          <p:cNvSpPr>
+            <a:spLocks noGrp="1"/>
+          </p:cNvSpPr>
+          <p:nvPr>
+            <p:ph type="title"/>
+          </p:nvPr>
+        </p:nvSpPr>
+        <p:spPr>
+          <a:xfrm>
+            <a:off x="1251678" y="382385"/>
+            <a:ext cx="10178322" cy="1492132"/>
+          </a:xfrm>
+        </p:spPr>
+        <p:txBody>
+          <a:bodyPr/>
+          <a:lstStyle/>
+          <a:p>
+            <a:r>
+              <a:rPr lang="fr-FR"/>
+              <a:t>UML</a:t>
+            </a:r>
+            <a:endParaRPr lang="fr-FR" dirty="0"/>
+          </a:p>
+        </p:txBody>
+      </p:sp>
+      <p:pic>
+        <p:nvPicPr>
+          <p:cNvPr id="5" name="Image 4" descr="Une image contenant capture d’écran&#10;&#10;Description générée automatiquement">
+            <a:extLst>
+              <a:ext uri="{FF2B5EF4-FFF2-40B4-BE49-F238E27FC236}">
+                <a16:creationId xmlns:a16="http://schemas.microsoft.com/office/drawing/2014/main" id="{45C6818B-A74C-EB4D-9DBB-08B9AB179417}"/>
+              </a:ext>
+            </a:extLst>
+          </p:cNvPr>
+          <p:cNvPicPr>
+            <a:picLocks noChangeAspect="1"/>
+          </p:cNvPicPr>
+          <p:nvPr/>
+        </p:nvPicPr>
+        <p:blipFill>
+          <a:blip r:embed="rId3">
+            <a:extLst>
+              <a:ext uri="{28A0092B-C50C-407E-A947-70E740481C1C}">
+                <a14:useLocalDpi xmlns:a14="http://schemas.microsoft.com/office/drawing/2010/main" val="0"/>
+              </a:ext>
+            </a:extLst>
+          </a:blip>
+          <a:stretch>
+            <a:fillRect/>
+          </a:stretch>
+        </p:blipFill>
+        <p:spPr>
+          <a:xfrm>
+            <a:off x="0" y="953129"/>
+            <a:ext cx="12192000" cy="5904871"/>
+          </a:xfrm>
+          <a:prstGeom prst="rect">
+            <a:avLst/>
+          </a:prstGeom>
+        </p:spPr>
+      </p:pic>
+    </p:spTree>
+    <p:extLst>
+      <p:ext uri="{BB962C8B-B14F-4D97-AF65-F5344CB8AC3E}">
+        <p14:creationId xmlns:p14="http://schemas.microsoft.com/office/powerpoint/2010/main" val="1621438051"/>
+      </p:ext>
+    </p:extLst>
+  </p:cSld>
+  <p:clrMapOvr>
+    <a:masterClrMapping/>
+  </p:clrMapOvr>
+</p:sld>
+</file>
+
+<file path=ppt/slides/slide6.xml><?xml version="1.0" encoding="utf-8"?>
+<p:sld xmlns:a="http://schemas.openxmlformats.org/drawingml/2006/main" xmlns:r="http://schemas.openxmlformats.org/officeDocument/2006/relationships" xmlns:p="http://schemas.openxmlformats.org/presentationml/2006/main">
+  <p:cSld>
+    <p:spTree>
+      <p:nvGrpSpPr>
+        <p:cNvPr id="1" name=""/>
+        <p:cNvGrpSpPr/>
+        <p:nvPr/>
+      </p:nvGrpSpPr>
+      <p:grpSpPr>
+        <a:xfrm>
+          <a:off x="0" y="0"/>
+          <a:ext cx="0" cy="0"/>
+          <a:chOff x="0" y="0"/>
+          <a:chExt cx="0" cy="0"/>
+        </a:xfrm>
+      </p:grpSpPr>
+      <p:sp>
+        <p:nvSpPr>
+          <p:cNvPr id="2" name="Titre 1">
+            <a:extLst>
+              <a:ext uri="{FF2B5EF4-FFF2-40B4-BE49-F238E27FC236}">
+                <a16:creationId xmlns:a16="http://schemas.microsoft.com/office/drawing/2014/main" id="{FD8D60C3-7FC4-C44D-A770-17EDC152F011}"/>
+              </a:ext>
+            </a:extLst>
+          </p:cNvPr>
+          <p:cNvSpPr>
+            <a:spLocks noGrp="1"/>
+          </p:cNvSpPr>
+          <p:nvPr>
+            <p:ph type="title"/>
+          </p:nvPr>
+        </p:nvSpPr>
+        <p:spPr/>
+        <p:txBody>
+          <a:bodyPr/>
+          <a:lstStyle/>
+          <a:p>
+            <a:r>
+              <a:rPr lang="fr-FR" dirty="0"/>
+              <a:t>Fonctionnalités</a:t>
+            </a:r>
+          </a:p>
+        </p:txBody>
+      </p:sp>
+      <p:sp>
+        <p:nvSpPr>
+          <p:cNvPr id="3" name="Espace réservé du contenu 2">
+            <a:extLst>
+              <a:ext uri="{FF2B5EF4-FFF2-40B4-BE49-F238E27FC236}">
+                <a16:creationId xmlns:a16="http://schemas.microsoft.com/office/drawing/2014/main" id="{726F722C-991A-CA43-9D1D-24AA170F10DF}"/>
+              </a:ext>
+            </a:extLst>
+          </p:cNvPr>
+          <p:cNvSpPr>
+            <a:spLocks noGrp="1"/>
+          </p:cNvSpPr>
+          <p:nvPr>
+            <p:ph idx="1"/>
+          </p:nvPr>
+        </p:nvSpPr>
+        <p:spPr/>
+        <p:txBody>
+          <a:bodyPr/>
+          <a:lstStyle/>
+          <a:p>
+            <a:r>
+              <a:rPr lang="fr-FR" dirty="0"/>
+              <a:t>CRUD sur user, </a:t>
+            </a:r>
+            <a:r>
+              <a:rPr lang="fr-FR" dirty="0" err="1"/>
+              <a:t>company</a:t>
+            </a:r>
+            <a:r>
+              <a:rPr lang="fr-FR" dirty="0"/>
+              <a:t> et </a:t>
+            </a:r>
+            <a:r>
+              <a:rPr lang="fr-FR" dirty="0" err="1"/>
+              <a:t>beer</a:t>
+            </a:r>
+            <a:endParaRPr lang="fr-FR" dirty="0"/>
+          </a:p>
+          <a:p>
+            <a:r>
+              <a:rPr lang="fr-FR" dirty="0"/>
+              <a:t>GET, POST, DELETE sur la liste de boissons d’une </a:t>
+            </a:r>
+            <a:r>
+              <a:rPr lang="fr-FR" dirty="0" err="1"/>
+              <a:t>company</a:t>
+            </a:r>
+            <a:endParaRPr lang="fr-FR" dirty="0"/>
+          </a:p>
+          <a:p>
+            <a:r>
+              <a:rPr lang="fr-FR" dirty="0"/>
+              <a:t>GET toutes les offres d’un client (ou juste les utilisées / disponibles)</a:t>
+            </a:r>
+          </a:p>
+          <a:p>
+            <a:r>
+              <a:rPr lang="fr-FR" dirty="0"/>
+              <a:t>PUT sur une offre d’un client (pour utiliser l’offre)</a:t>
+            </a:r>
+          </a:p>
+          <a:p>
+            <a:r>
+              <a:rPr lang="fr-FR" dirty="0"/>
+              <a:t>Récupérer quelques statistiques:</a:t>
+            </a:r>
+          </a:p>
+          <a:p>
+            <a:pPr lvl="1"/>
+            <a:r>
+              <a:rPr lang="fr-FR" dirty="0"/>
+              <a:t>Bière la plus populaire (la plus commandée)</a:t>
+            </a:r>
+          </a:p>
+          <a:p>
+            <a:pPr lvl="1"/>
+            <a:r>
+              <a:rPr lang="fr-FR" dirty="0"/>
+              <a:t>Bars ou brasserie la plus populaire (où le plus de bons ont été utilisés)</a:t>
+            </a:r>
+          </a:p>
+          <a:p>
+            <a:pPr lvl="1"/>
+            <a:r>
+              <a:rPr lang="fr-FR" dirty="0"/>
+              <a:t>Bière la plus populaire dans un bar ou une brasserie précise</a:t>
+            </a:r>
+          </a:p>
+          <a:p>
+            <a:pPr lvl="1"/>
+            <a:endParaRPr lang="fr-FR" dirty="0"/>
+          </a:p>
+          <a:p>
+            <a:endParaRPr lang="fr-FR" dirty="0"/>
+          </a:p>
+        </p:txBody>
+      </p:sp>
+    </p:spTree>
+    <p:extLst>
+      <p:ext uri="{BB962C8B-B14F-4D97-AF65-F5344CB8AC3E}">
+        <p14:creationId xmlns:p14="http://schemas.microsoft.com/office/powerpoint/2010/main" val="4078479724"/>
+      </p:ext>
+    </p:extLst>
+  </p:cSld>
+  <p:clrMapOvr>
+    <a:masterClrMapping/>
+  </p:clrMapOvr>
+</p:sld>
+</file>
+
+<file path=ppt/slides/slide7.xml><?xml version="1.0" encoding="utf-8"?>
+<p:sld xmlns:a="http://schemas.openxmlformats.org/drawingml/2006/main" xmlns:r="http://schemas.openxmlformats.org/officeDocument/2006/relationships" xmlns:p="http://schemas.openxmlformats.org/presentationml/2006/main">
+  <p:cSld>
+    <p:spTree>
+      <p:nvGrpSpPr>
+        <p:cNvPr id="1" name=""/>
+        <p:cNvGrpSpPr/>
+        <p:nvPr/>
+      </p:nvGrpSpPr>
+      <p:grpSpPr>
+        <a:xfrm>
+          <a:off x="0" y="0"/>
+          <a:ext cx="0" cy="0"/>
+          <a:chOff x="0" y="0"/>
+          <a:chExt cx="0" cy="0"/>
+        </a:xfrm>
+      </p:grpSpPr>
+      <p:sp>
+        <p:nvSpPr>
+          <p:cNvPr id="2" name="Titre 1">
+            <a:extLst>
+              <a:ext uri="{FF2B5EF4-FFF2-40B4-BE49-F238E27FC236}">
+                <a16:creationId xmlns:a16="http://schemas.microsoft.com/office/drawing/2014/main" id="{95EEAABE-C9B1-C141-B64D-F30F0D482712}"/>
+              </a:ext>
+            </a:extLst>
+          </p:cNvPr>
+          <p:cNvSpPr>
+            <a:spLocks noGrp="1"/>
+          </p:cNvSpPr>
+          <p:nvPr>
+            <p:ph type="title"/>
+          </p:nvPr>
+        </p:nvSpPr>
+        <p:spPr/>
+        <p:txBody>
+          <a:bodyPr/>
+          <a:lstStyle/>
+          <a:p>
+            <a:r>
+              <a:rPr lang="fr-FR" dirty="0"/>
+              <a:t>Problèmes rencontrés</a:t>
+            </a:r>
+          </a:p>
+        </p:txBody>
+      </p:sp>
+      <p:sp>
+        <p:nvSpPr>
+          <p:cNvPr id="3" name="Espace réservé du contenu 2">
+            <a:extLst>
+              <a:ext uri="{FF2B5EF4-FFF2-40B4-BE49-F238E27FC236}">
+                <a16:creationId xmlns:a16="http://schemas.microsoft.com/office/drawing/2014/main" id="{F48BC3E3-0BC5-9940-BBEA-D8871DC58C60}"/>
+              </a:ext>
+            </a:extLst>
+          </p:cNvPr>
+          <p:cNvSpPr>
+            <a:spLocks noGrp="1"/>
+          </p:cNvSpPr>
+          <p:nvPr>
+            <p:ph idx="1"/>
+          </p:nvPr>
+        </p:nvSpPr>
+        <p:spPr/>
+        <p:txBody>
+          <a:bodyPr/>
+          <a:lstStyle/>
+          <a:p>
+            <a:r>
+              <a:rPr lang="fr-FR" dirty="0" err="1"/>
+              <a:t>Slick</a:t>
+            </a:r>
+            <a:endParaRPr lang="fr-FR" dirty="0"/>
+          </a:p>
+          <a:p>
+            <a:pPr lvl="1"/>
+            <a:r>
+              <a:rPr lang="fr-FR" dirty="0"/>
+              <a:t>Peu d’exemples complexes sur le net</a:t>
+            </a:r>
+          </a:p>
+          <a:p>
+            <a:pPr lvl="1"/>
+            <a:r>
+              <a:rPr lang="fr-FR" dirty="0" err="1"/>
+              <a:t>ForeignKeys</a:t>
+            </a:r>
+            <a:endParaRPr lang="fr-FR" dirty="0"/>
+          </a:p>
+          <a:p>
+            <a:pPr lvl="1"/>
+            <a:r>
+              <a:rPr lang="fr-FR" dirty="0"/>
+              <a:t>Énumérations (avoir le type </a:t>
+            </a:r>
+            <a:r>
+              <a:rPr lang="fr-FR" dirty="0" err="1"/>
+              <a:t>Enum</a:t>
+            </a:r>
+            <a:r>
+              <a:rPr lang="fr-FR" dirty="0"/>
+              <a:t> dans MySQL)</a:t>
+            </a:r>
+          </a:p>
+          <a:p>
+            <a:pPr lvl="1"/>
+            <a:r>
+              <a:rPr lang="fr-FR" dirty="0"/>
+              <a:t>Relations 1-N</a:t>
+            </a:r>
+          </a:p>
+          <a:p>
+            <a:pPr lvl="2"/>
+            <a:r>
+              <a:rPr lang="fr-FR" dirty="0"/>
+              <a:t>Avec </a:t>
+            </a:r>
+            <a:r>
+              <a:rPr lang="fr-FR" dirty="0" err="1"/>
+              <a:t>Slick</a:t>
+            </a:r>
+            <a:r>
+              <a:rPr lang="fr-FR" dirty="0"/>
+              <a:t>, impossible d’ajouter une colonne dans une table n’ayant pas une </a:t>
+            </a:r>
+            <a:r>
+              <a:rPr lang="fr-FR" dirty="0" err="1"/>
+              <a:t>primaryKey</a:t>
+            </a:r>
+            <a:r>
+              <a:rPr lang="fr-FR" dirty="0"/>
+              <a:t> en </a:t>
+            </a:r>
+            <a:r>
+              <a:rPr lang="fr-FR" dirty="0" err="1"/>
+              <a:t>autoInc</a:t>
+            </a:r>
+            <a:r>
+              <a:rPr lang="fr-FR" dirty="0"/>
+              <a:t>!</a:t>
+            </a:r>
+          </a:p>
+        </p:txBody>
+      </p:sp>
+    </p:spTree>
+    <p:extLst>
+      <p:ext uri="{BB962C8B-B14F-4D97-AF65-F5344CB8AC3E}">
+        <p14:creationId xmlns:p14="http://schemas.microsoft.com/office/powerpoint/2010/main" val="26699893"/>
+      </p:ext>
+    </p:extLst>
+  </p:cSld>
+  <p:clrMapOvr>
+    <a:masterClrMapping/>
+  </p:clrMapOvr>
+</p:sld>
+</file>
+
+<file path=ppt/slides/slide8.xml><?xml version="1.0" encoding="utf-8"?>
+<p:sld xmlns:a="http://schemas.openxmlformats.org/drawingml/2006/main" xmlns:r="http://schemas.openxmlformats.org/officeDocument/2006/relationships" xmlns:p="http://schemas.openxmlformats.org/presentationml/2006/main">
+  <p:cSld>
+    <p:spTree>
+      <p:nvGrpSpPr>
+        <p:cNvPr id="1" name=""/>
+        <p:cNvGrpSpPr/>
+        <p:nvPr/>
+      </p:nvGrpSpPr>
+      <p:grpSpPr>
+        <a:xfrm>
+          <a:off x="0" y="0"/>
+          <a:ext cx="0" cy="0"/>
+          <a:chOff x="0" y="0"/>
+          <a:chExt cx="0" cy="0"/>
+        </a:xfrm>
+      </p:grpSpPr>
+      <p:sp>
+        <p:nvSpPr>
+          <p:cNvPr id="2" name="Titre 1">
+            <a:extLst>
+              <a:ext uri="{FF2B5EF4-FFF2-40B4-BE49-F238E27FC236}">
+                <a16:creationId xmlns:a16="http://schemas.microsoft.com/office/drawing/2014/main" id="{1D965276-88E6-054C-87BB-3D973371F52F}"/>
+              </a:ext>
+            </a:extLst>
+          </p:cNvPr>
+          <p:cNvSpPr>
+            <a:spLocks noGrp="1"/>
+          </p:cNvSpPr>
+          <p:nvPr>
+            <p:ph type="title"/>
+          </p:nvPr>
+        </p:nvSpPr>
+        <p:spPr/>
+        <p:txBody>
+          <a:bodyPr/>
+          <a:lstStyle/>
+          <a:p>
+            <a:r>
+              <a:rPr lang="fr-FR" dirty="0"/>
+              <a:t>Améliorations possibles</a:t>
+            </a:r>
+          </a:p>
+        </p:txBody>
+      </p:sp>
+      <p:sp>
+        <p:nvSpPr>
+          <p:cNvPr id="3" name="Espace réservé du contenu 2">
+            <a:extLst>
+              <a:ext uri="{FF2B5EF4-FFF2-40B4-BE49-F238E27FC236}">
+                <a16:creationId xmlns:a16="http://schemas.microsoft.com/office/drawing/2014/main" id="{18842460-48CD-174D-AB73-ED59482093C5}"/>
+              </a:ext>
+            </a:extLst>
+          </p:cNvPr>
+          <p:cNvSpPr>
+            <a:spLocks noGrp="1"/>
+          </p:cNvSpPr>
+          <p:nvPr>
+            <p:ph idx="1"/>
+          </p:nvPr>
+        </p:nvSpPr>
+        <p:spPr/>
+        <p:txBody>
+          <a:bodyPr/>
+          <a:lstStyle/>
+          <a:p>
+            <a:r>
+              <a:rPr lang="fr-FR" dirty="0"/>
+              <a:t>Sécurité!</a:t>
+            </a:r>
+          </a:p>
+          <a:p>
+            <a:pPr lvl="1"/>
+            <a:r>
+              <a:rPr lang="fr-FR" dirty="0"/>
+              <a:t>Login fonctionne mais pas de check dans les </a:t>
+            </a:r>
+            <a:r>
+              <a:rPr lang="fr-FR" dirty="0" err="1"/>
+              <a:t>endpoints</a:t>
+            </a:r>
+            <a:r>
+              <a:rPr lang="fr-FR" dirty="0"/>
+              <a:t>!</a:t>
+            </a:r>
+          </a:p>
+          <a:p>
+            <a:pPr marL="457200" lvl="1" indent="0">
+              <a:buNone/>
+            </a:pPr>
+            <a:endParaRPr lang="fr-FR" dirty="0"/>
+          </a:p>
+          <a:p>
+            <a:r>
+              <a:rPr lang="fr-FR" dirty="0"/>
+              <a:t>Ajouter quelques statistiques supplémentaires</a:t>
+            </a:r>
+          </a:p>
+          <a:p>
+            <a:endParaRPr lang="fr-FR" dirty="0"/>
+          </a:p>
+          <a:p>
+            <a:r>
+              <a:rPr lang="fr-FR" dirty="0"/>
+              <a:t>Trouver une meilleure solution au problèmes des relations 1-N avec </a:t>
+            </a:r>
+            <a:r>
+              <a:rPr lang="fr-FR" dirty="0" err="1"/>
+              <a:t>Slick</a:t>
+            </a:r>
+            <a:endParaRPr lang="fr-FR" dirty="0"/>
+          </a:p>
+          <a:p>
+            <a:pPr lvl="1"/>
+            <a:r>
+              <a:rPr lang="fr-FR" dirty="0"/>
+              <a:t>Par exemple en recodant le </a:t>
+            </a:r>
+            <a:r>
+              <a:rPr lang="fr-FR" dirty="0" err="1"/>
+              <a:t>backend</a:t>
+            </a:r>
+            <a:r>
+              <a:rPr lang="fr-FR" dirty="0"/>
+              <a:t> en </a:t>
+            </a:r>
+            <a:r>
+              <a:rPr lang="fr-FR" dirty="0" err="1"/>
+              <a:t>NodeJs</a:t>
+            </a:r>
+            <a:r>
+              <a:rPr lang="fr-FR" dirty="0"/>
+              <a:t> avec </a:t>
+            </a:r>
+            <a:r>
+              <a:rPr lang="fr-FR" dirty="0" err="1"/>
+              <a:t>Typescript</a:t>
+            </a:r>
+            <a:r>
+              <a:rPr lang="fr-FR" dirty="0"/>
+              <a:t> et un vrai ORM…</a:t>
+            </a:r>
+          </a:p>
+        </p:txBody>
+      </p:sp>
+    </p:spTree>
+    <p:extLst>
+      <p:ext uri="{BB962C8B-B14F-4D97-AF65-F5344CB8AC3E}">
+        <p14:creationId xmlns:p14="http://schemas.microsoft.com/office/powerpoint/2010/main" val="262478410"/>
+      </p:ext>
+    </p:extLst>
+  </p:cSld>
+  <p:clrMapOvr>
+    <a:masterClrMapping/>
+  </p:clrMapOvr>
+</p:sld>
+</file>
+
+<file path=ppt/slides/slide9.xml><?xml version="1.0" encoding="utf-8"?>
+<p:sld xmlns:a="http://schemas.openxmlformats.org/drawingml/2006/main" xmlns:r="http://schemas.openxmlformats.org/officeDocument/2006/relationships" xmlns:p="http://schemas.openxmlformats.org/presentationml/2006/main">
+  <p:cSld>
+    <p:spTree>
+      <p:nvGrpSpPr>
+        <p:cNvPr id="1" name=""/>
+        <p:cNvGrpSpPr/>
+        <p:nvPr/>
+      </p:nvGrpSpPr>
+      <p:grpSpPr>
+        <a:xfrm>
+          <a:off x="0" y="0"/>
+          <a:ext cx="0" cy="0"/>
+          <a:chOff x="0" y="0"/>
+          <a:chExt cx="0" cy="0"/>
+        </a:xfrm>
+      </p:grpSpPr>
+      <p:pic>
+        <p:nvPicPr>
+          <p:cNvPr id="4" name="Image 3">
+            <a:extLst>
+              <a:ext uri="{FF2B5EF4-FFF2-40B4-BE49-F238E27FC236}">
+                <a16:creationId xmlns:a16="http://schemas.microsoft.com/office/drawing/2014/main" id="{480B4830-2C25-E64B-A87A-E3E6F15237FA}"/>
+              </a:ext>
+            </a:extLst>
+          </p:cNvPr>
+          <p:cNvPicPr>
+            <a:picLocks noChangeAspect="1"/>
+          </p:cNvPicPr>
+          <p:nvPr/>
+        </p:nvPicPr>
+        <p:blipFill>
+          <a:blip r:embed="rId2">
+            <a:extLst>
+              <a:ext uri="{28A0092B-C50C-407E-A947-70E740481C1C}">
+                <a14:useLocalDpi xmlns:a14="http://schemas.microsoft.com/office/drawing/2010/main" val="0"/>
+              </a:ext>
+            </a:extLst>
+          </a:blip>
+          <a:stretch>
+            <a:fillRect/>
+          </a:stretch>
+        </p:blipFill>
+        <p:spPr>
+          <a:xfrm>
+            <a:off x="3704491" y="691661"/>
+            <a:ext cx="4970585" cy="4970585"/>
+          </a:xfrm>
+          <a:prstGeom prst="rect">
+            <a:avLst/>
+          </a:prstGeom>
+        </p:spPr>
+      </p:pic>
+    </p:spTree>
+    <p:extLst>
+      <p:ext uri="{BB962C8B-B14F-4D97-AF65-F5344CB8AC3E}">
+        <p14:creationId xmlns:p14="http://schemas.microsoft.com/office/powerpoint/2010/main" val="1830680384"/>
       </p:ext>
     </p:extLst>
   </p:cSld>
@@ -8298,4 +10104,299 @@
     </a:ext>
   </a:extLst>
 </a:theme>
+</file>
+
+<file path=ppt/theme/theme2.xml><?xml version="1.0" encoding="utf-8"?>
+<a:theme xmlns:a="http://schemas.openxmlformats.org/drawingml/2006/main" name="Thème Office">
+  <a:themeElements>
+    <a:clrScheme name="Office">
+      <a:dk1>
+        <a:sysClr val="windowText" lastClr="000000"/>
+      </a:dk1>
+      <a:lt1>
+        <a:sysClr val="window" lastClr="FFFFFF"/>
+      </a:lt1>
+      <a:dk2>
+        <a:srgbClr val="44546A"/>
+      </a:dk2>
+      <a:lt2>
+        <a:srgbClr val="E7E6E6"/>
+      </a:lt2>
+      <a:accent1>
+        <a:srgbClr val="4472C4"/>
+      </a:accent1>
+      <a:accent2>
+        <a:srgbClr val="ED7D31"/>
+      </a:accent2>
+      <a:accent3>
+        <a:srgbClr val="A5A5A5"/>
+      </a:accent3>
+      <a:accent4>
+        <a:srgbClr val="FFC000"/>
+      </a:accent4>
+      <a:accent5>
+        <a:srgbClr val="5B9BD5"/>
+      </a:accent5>
+      <a:accent6>
+        <a:srgbClr val="70AD47"/>
+      </a:accent6>
+      <a:hlink>
+        <a:srgbClr val="0563C1"/>
+      </a:hlink>
+      <a:folHlink>
+        <a:srgbClr val="954F72"/>
+      </a:folHlink>
+    </a:clrScheme>
+    <a:fontScheme name="Office">
+      <a:majorFont>
+        <a:latin typeface="Calibri Light" panose="020F0302020204030204"/>
+        <a:ea typeface=""/>
+        <a:cs typeface=""/>
+        <a:font script="Jpan" typeface="游ゴシック Light"/>
+        <a:font script="Hang" typeface="맑은 고딕"/>
+        <a:font script="Hans" typeface="等线 Light"/>
+        <a:font script="Hant" typeface="新細明體"/>
+        <a:font script="Arab" typeface="Times New Roman"/>
+        <a:font script="Hebr" typeface="Times New Roman"/>
+        <a:font script="Thai" typeface="Angsana New"/>
+        <a:font script="Ethi" typeface="Nyala"/>
+        <a:font script="Beng" typeface="Vrinda"/>
+        <a:font script="Gujr" typeface="Shruti"/>
+        <a:font script="Khmr" typeface="MoolBoran"/>
+        <a:font script="Knda" typeface="Tunga"/>
+        <a:font script="Guru" typeface="Raavi"/>
+        <a:font script="Cans" typeface="Euphemia"/>
+        <a:font script="Cher" typeface="Plantagenet Cherokee"/>
+        <a:font script="Yiii" typeface="Microsoft Yi Baiti"/>
+        <a:font script="Tibt" typeface="Microsoft Himalaya"/>
+        <a:font script="Thaa" typeface="MV Boli"/>
+        <a:font script="Deva" typeface="Mangal"/>
+        <a:font script="Telu" typeface="Gautami"/>
+        <a:font script="Taml" typeface="Latha"/>
+        <a:font script="Syrc" typeface="Estrangelo Edessa"/>
+        <a:font script="Orya" typeface="Kalinga"/>
+        <a:font script="Mlym" typeface="Kartika"/>
+        <a:font script="Laoo" typeface="DokChampa"/>
+        <a:font script="Sinh" typeface="Iskoola Pota"/>
+        <a:font script="Mong" typeface="Mongolian Baiti"/>
+        <a:font script="Viet" typeface="Times New Roman"/>
+        <a:font script="Uigh" typeface="Microsoft Uighur"/>
+        <a:font script="Geor" typeface="Sylfaen"/>
+        <a:font script="Armn" typeface="Arial"/>
+        <a:font script="Bugi" typeface="Leelawadee UI"/>
+        <a:font script="Bopo" typeface="Microsoft JhengHei"/>
+        <a:font script="Java" typeface="Javanese Text"/>
+        <a:font script="Lisu" typeface="Segoe UI"/>
+        <a:font script="Mymr" typeface="Myanmar Text"/>
+        <a:font script="Nkoo" typeface="Ebrima"/>
+        <a:font script="Olck" typeface="Nirmala UI"/>
+        <a:font script="Osma" typeface="Ebrima"/>
+        <a:font script="Phag" typeface="Phagspa"/>
+        <a:font script="Syrn" typeface="Estrangelo Edessa"/>
+        <a:font script="Syrj" typeface="Estrangelo Edessa"/>
+        <a:font script="Syre" typeface="Estrangelo Edessa"/>
+        <a:font script="Sora" typeface="Nirmala UI"/>
+        <a:font script="Tale" typeface="Microsoft Tai Le"/>
+        <a:font script="Talu" typeface="Microsoft New Tai Lue"/>
+        <a:font script="Tfng" typeface="Ebrima"/>
+      </a:majorFont>
+      <a:minorFont>
+        <a:latin typeface="Calibri" panose="020F0502020204030204"/>
+        <a:ea typeface=""/>
+        <a:cs typeface=""/>
+        <a:font script="Jpan" typeface="游ゴシック"/>
+        <a:font script="Hang" typeface="맑은 고딕"/>
+        <a:font script="Hans" typeface="等线"/>
+        <a:font script="Hant" typeface="新細明體"/>
+        <a:font script="Arab" typeface="Arial"/>
+        <a:font script="Hebr" typeface="Arial"/>
+        <a:font script="Thai" typeface="Cordia New"/>
+        <a:font script="Ethi" typeface="Nyala"/>
+        <a:font script="Beng" typeface="Vrinda"/>
+        <a:font script="Gujr" typeface="Shruti"/>
+        <a:font script="Khmr" typeface="DaunPenh"/>
+        <a:font script="Knda" typeface="Tunga"/>
+        <a:font script="Guru" typeface="Raavi"/>
+        <a:font script="Cans" typeface="Euphemia"/>
+        <a:font script="Cher" typeface="Plantagenet Cherokee"/>
+        <a:font script="Yiii" typeface="Microsoft Yi Baiti"/>
+        <a:font script="Tibt" typeface="Microsoft Himalaya"/>
+        <a:font script="Thaa" typeface="MV Boli"/>
+        <a:font script="Deva" typeface="Mangal"/>
+        <a:font script="Telu" typeface="Gautami"/>
+        <a:font script="Taml" typeface="Latha"/>
+        <a:font script="Syrc" typeface="Estrangelo Edessa"/>
+        <a:font script="Orya" typeface="Kalinga"/>
+        <a:font script="Mlym" typeface="Kartika"/>
+        <a:font script="Laoo" typeface="DokChampa"/>
+        <a:font script="Sinh" typeface="Iskoola Pota"/>
+        <a:font script="Mong" typeface="Mongolian Baiti"/>
+        <a:font script="Viet" typeface="Arial"/>
+        <a:font script="Uigh" typeface="Microsoft Uighur"/>
+        <a:font script="Geor" typeface="Sylfaen"/>
+        <a:font script="Armn" typeface="Arial"/>
+        <a:font script="Bugi" typeface="Leelawadee UI"/>
+        <a:font script="Bopo" typeface="Microsoft JhengHei"/>
+        <a:font script="Java" typeface="Javanese Text"/>
+        <a:font script="Lisu" typeface="Segoe UI"/>
+        <a:font script="Mymr" typeface="Myanmar Text"/>
+        <a:font script="Nkoo" typeface="Ebrima"/>
+        <a:font script="Olck" typeface="Nirmala UI"/>
+        <a:font script="Osma" typeface="Ebrima"/>
+        <a:font script="Phag" typeface="Phagspa"/>
+        <a:font script="Syrn" typeface="Estrangelo Edessa"/>
+        <a:font script="Syrj" typeface="Estrangelo Edessa"/>
+        <a:font script="Syre" typeface="Estrangelo Edessa"/>
+        <a:font script="Sora" typeface="Nirmala UI"/>
+        <a:font script="Tale" typeface="Microsoft Tai Le"/>
+        <a:font script="Talu" typeface="Microsoft New Tai Lue"/>
+        <a:font script="Tfng" typeface="Ebrima"/>
+      </a:minorFont>
+    </a:fontScheme>
+    <a:fmtScheme name="Office">
+      <a:fillStyleLst>
+        <a:solidFill>
+          <a:schemeClr val="phClr"/>
+        </a:solidFill>
+        <a:gradFill rotWithShape="1">
+          <a:gsLst>
+            <a:gs pos="0">
+              <a:schemeClr val="phClr">
+                <a:lumMod val="110000"/>
+                <a:satMod val="105000"/>
+                <a:tint val="67000"/>
+              </a:schemeClr>
+            </a:gs>
+            <a:gs pos="50000">
+              <a:schemeClr val="phClr">
+                <a:lumMod val="105000"/>
+                <a:satMod val="103000"/>
+                <a:tint val="73000"/>
+              </a:schemeClr>
+            </a:gs>
+            <a:gs pos="100000">
+              <a:schemeClr val="phClr">
+                <a:lumMod val="105000"/>
+                <a:satMod val="109000"/>
+                <a:tint val="81000"/>
+              </a:schemeClr>
+            </a:gs>
+          </a:gsLst>
+          <a:lin ang="5400000" scaled="0"/>
+        </a:gradFill>
+        <a:gradFill rotWithShape="1">
+          <a:gsLst>
+            <a:gs pos="0">
+              <a:schemeClr val="phClr">
+                <a:satMod val="103000"/>
+                <a:lumMod val="102000"/>
+                <a:tint val="94000"/>
+              </a:schemeClr>
+            </a:gs>
+            <a:gs pos="50000">
+              <a:schemeClr val="phClr">
+                <a:satMod val="110000"/>
+                <a:lumMod val="100000"/>
+                <a:shade val="100000"/>
+              </a:schemeClr>
+            </a:gs>
+            <a:gs pos="100000">
+              <a:schemeClr val="phClr">
+                <a:lumMod val="99000"/>
+                <a:satMod val="120000"/>
+                <a:shade val="78000"/>
+              </a:schemeClr>
+            </a:gs>
+          </a:gsLst>
+          <a:lin ang="5400000" scaled="0"/>
+        </a:gradFill>
+      </a:fillStyleLst>
+      <a:lnStyleLst>
+        <a:ln w="6350" cap="flat" cmpd="sng" algn="ctr">
+          <a:solidFill>
+            <a:schemeClr val="phClr"/>
+          </a:solidFill>
+          <a:prstDash val="solid"/>
+          <a:miter lim="800000"/>
+        </a:ln>
+        <a:ln w="12700" cap="flat" cmpd="sng" algn="ctr">
+          <a:solidFill>
+            <a:schemeClr val="phClr"/>
+          </a:solidFill>
+          <a:prstDash val="solid"/>
+          <a:miter lim="800000"/>
+        </a:ln>
+        <a:ln w="19050" cap="flat" cmpd="sng" algn="ctr">
+          <a:solidFill>
+            <a:schemeClr val="phClr"/>
+          </a:solidFill>
+          <a:prstDash val="solid"/>
+          <a:miter lim="800000"/>
+        </a:ln>
+      </a:lnStyleLst>
+      <a:effectStyleLst>
+        <a:effectStyle>
+          <a:effectLst/>
+        </a:effectStyle>
+        <a:effectStyle>
+          <a:effectLst/>
+        </a:effectStyle>
+        <a:effectStyle>
+          <a:effectLst>
+            <a:outerShdw blurRad="57150" dist="19050" dir="5400000" algn="ctr" rotWithShape="0">
+              <a:srgbClr val="000000">
+                <a:alpha val="63000"/>
+              </a:srgbClr>
+            </a:outerShdw>
+          </a:effectLst>
+        </a:effectStyle>
+      </a:effectStyleLst>
+      <a:bgFillStyleLst>
+        <a:solidFill>
+          <a:schemeClr val="phClr"/>
+        </a:solidFill>
+        <a:solidFill>
+          <a:schemeClr val="phClr">
+            <a:tint val="95000"/>
+            <a:satMod val="170000"/>
+          </a:schemeClr>
+        </a:solidFill>
+        <a:gradFill rotWithShape="1">
+          <a:gsLst>
+            <a:gs pos="0">
+              <a:schemeClr val="phClr">
+                <a:tint val="93000"/>
+                <a:satMod val="150000"/>
+                <a:shade val="98000"/>
+                <a:lumMod val="102000"/>
+              </a:schemeClr>
+            </a:gs>
+            <a:gs pos="50000">
+              <a:schemeClr val="phClr">
+                <a:tint val="98000"/>
+                <a:satMod val="130000"/>
+                <a:shade val="90000"/>
+                <a:lumMod val="103000"/>
+              </a:schemeClr>
+            </a:gs>
+            <a:gs pos="100000">
+              <a:schemeClr val="phClr">
+                <a:shade val="63000"/>
+                <a:satMod val="120000"/>
+              </a:schemeClr>
+            </a:gs>
+          </a:gsLst>
+          <a:lin ang="5400000" scaled="0"/>
+        </a:gradFill>
+      </a:bgFillStyleLst>
+    </a:fmtScheme>
+  </a:themeElements>
+  <a:objectDefaults/>
+  <a:extraClrSchemeLst/>
+  <a:extLst>
+    <a:ext uri="{05A4C25C-085E-4340-85A3-A5531E510DB2}">
+      <thm15:themeFamily xmlns:thm15="http://schemas.microsoft.com/office/thememl/2012/main" name="Office Theme" id="{62F939B6-93AF-4DB8-9C6B-D6C7DFDC589F}" vid="{4A3C46E8-61CC-4603-A589-7422A47A8E4A}"/>
+    </a:ext>
+  </a:extLst>
+</a:theme>
 </file>
--- a/Presentation_BeerPass.pptx
+++ b/Presentation_BeerPass.pptx
@@ -695,6 +695,101 @@
 </file>
 
 <file path=ppt/notesSlides/notesSlide3.xml><?xml version="1.0" encoding="utf-8"?>
+<p:notes xmlns:a="http://schemas.openxmlformats.org/drawingml/2006/main" xmlns:r="http://schemas.openxmlformats.org/officeDocument/2006/relationships" xmlns:p="http://schemas.openxmlformats.org/presentationml/2006/main">
+  <p:cSld>
+    <p:spTree>
+      <p:nvGrpSpPr>
+        <p:cNvPr id="1" name=""/>
+        <p:cNvGrpSpPr/>
+        <p:nvPr/>
+      </p:nvGrpSpPr>
+      <p:grpSpPr>
+        <a:xfrm>
+          <a:off x="0" y="0"/>
+          <a:ext cx="0" cy="0"/>
+          <a:chOff x="0" y="0"/>
+          <a:chExt cx="0" cy="0"/>
+        </a:xfrm>
+      </p:grpSpPr>
+      <p:sp>
+        <p:nvSpPr>
+          <p:cNvPr id="2" name="Espace réservé de l'image des diapositives 1"/>
+          <p:cNvSpPr>
+            <a:spLocks noGrp="1" noRot="1" noChangeAspect="1"/>
+          </p:cNvSpPr>
+          <p:nvPr>
+            <p:ph type="sldImg"/>
+          </p:nvPr>
+        </p:nvSpPr>
+        <p:spPr/>
+      </p:sp>
+      <p:sp>
+        <p:nvSpPr>
+          <p:cNvPr id="3" name="Espace réservé des notes 2"/>
+          <p:cNvSpPr>
+            <a:spLocks noGrp="1"/>
+          </p:cNvSpPr>
+          <p:nvPr>
+            <p:ph type="body" idx="1"/>
+          </p:nvPr>
+        </p:nvSpPr>
+        <p:spPr/>
+        <p:txBody>
+          <a:bodyPr/>
+          <a:lstStyle/>
+          <a:p>
+            <a:r>
+              <a:rPr lang="fr-FR" dirty="0"/>
+              <a:t>CRUD sur </a:t>
+            </a:r>
+            <a:r>
+              <a:rPr lang="fr-FR" dirty="0" err="1"/>
+              <a:t>Company</a:t>
+            </a:r>
+            <a:r>
+              <a:rPr lang="fr-FR" dirty="0"/>
+              <a:t> inclut CRUD sur horaires et adresse</a:t>
+            </a:r>
+          </a:p>
+        </p:txBody>
+      </p:sp>
+      <p:sp>
+        <p:nvSpPr>
+          <p:cNvPr id="4" name="Espace réservé du numéro de diapositive 3"/>
+          <p:cNvSpPr>
+            <a:spLocks noGrp="1"/>
+          </p:cNvSpPr>
+          <p:nvPr>
+            <p:ph type="sldNum" sz="quarter" idx="5"/>
+          </p:nvPr>
+        </p:nvSpPr>
+        <p:spPr/>
+        <p:txBody>
+          <a:bodyPr/>
+          <a:lstStyle/>
+          <a:p>
+            <a:fld id="{FF63ADC1-16D8-FB4C-A8FA-1934EF2E6464}" type="slidenum">
+              <a:rPr lang="fr-FR" smtClean="0"/>
+              <a:t>6</a:t>
+            </a:fld>
+            <a:endParaRPr lang="fr-FR"/>
+          </a:p>
+        </p:txBody>
+      </p:sp>
+    </p:spTree>
+    <p:extLst>
+      <p:ext uri="{BB962C8B-B14F-4D97-AF65-F5344CB8AC3E}">
+        <p14:creationId xmlns:p14="http://schemas.microsoft.com/office/powerpoint/2010/main" val="955058084"/>
+      </p:ext>
+    </p:extLst>
+  </p:cSld>
+  <p:clrMapOvr>
+    <a:masterClrMapping/>
+  </p:clrMapOvr>
+</p:notes>
+</file>
+
+<file path=ppt/notesSlides/notesSlide4.xml><?xml version="1.0" encoding="utf-8"?>
 <p:notes xmlns:a="http://schemas.openxmlformats.org/drawingml/2006/main" xmlns:r="http://schemas.openxmlformats.org/officeDocument/2006/relationships" xmlns:p="http://schemas.openxmlformats.org/presentationml/2006/main">
   <p:cSld>
     <p:spTree>
@@ -9264,10 +9359,10 @@
       </p:sp>
       <p:pic>
         <p:nvPicPr>
-          <p:cNvPr id="5" name="Image 4" descr="Une image contenant capture d’écran&#10;&#10;Description générée automatiquement">
+          <p:cNvPr id="4" name="Image 3" descr="Une image contenant capture d’écran&#10;&#10;Description générée automatiquement">
             <a:extLst>
               <a:ext uri="{FF2B5EF4-FFF2-40B4-BE49-F238E27FC236}">
-                <a16:creationId xmlns:a16="http://schemas.microsoft.com/office/drawing/2014/main" id="{45C6818B-A74C-EB4D-9DBB-08B9AB179417}"/>
+                <a16:creationId xmlns:a16="http://schemas.microsoft.com/office/drawing/2014/main" id="{66FD0211-8BEB-D947-8592-D594569DAB48}"/>
               </a:ext>
             </a:extLst>
           </p:cNvPr>
